--- a/ingles/Apresentação.pptx
+++ b/ingles/Apresentação.pptx
@@ -12,6 +12,9 @@
     <p:sldId id="261" r:id="rId6"/>
     <p:sldId id="262" r:id="rId7"/>
     <p:sldId id="263" r:id="rId8"/>
+    <p:sldId id="264" r:id="rId9"/>
+    <p:sldId id="265" r:id="rId10"/>
+    <p:sldId id="266" r:id="rId11"/>
   </p:sldIdLst>
   <p:sldSz cx="12192000" cy="6858000"/>
   <p:notesSz cx="6858000" cy="9144000"/>
@@ -892,7 +895,7 @@
           <a:p>
             <a:fld id="{15A16595-07AD-4646-803E-1CCE41789BEC}" type="slidenum">
               <a:rPr lang="pt-PT" smtClean="0"/>
-              <a:t>‹nº›</a:t>
+              <a:t>‹#›</a:t>
             </a:fld>
             <a:endParaRPr lang="pt-PT"/>
           </a:p>
@@ -1060,7 +1063,7 @@
           <a:p>
             <a:fld id="{15A16595-07AD-4646-803E-1CCE41789BEC}" type="slidenum">
               <a:rPr lang="pt-PT" smtClean="0"/>
-              <a:t>‹nº›</a:t>
+              <a:t>‹#›</a:t>
             </a:fld>
             <a:endParaRPr lang="pt-PT"/>
           </a:p>
@@ -1238,7 +1241,7 @@
           <a:p>
             <a:fld id="{15A16595-07AD-4646-803E-1CCE41789BEC}" type="slidenum">
               <a:rPr lang="pt-PT" smtClean="0"/>
-              <a:t>‹nº›</a:t>
+              <a:t>‹#›</a:t>
             </a:fld>
             <a:endParaRPr lang="pt-PT"/>
           </a:p>
@@ -1406,7 +1409,7 @@
           <a:p>
             <a:fld id="{15A16595-07AD-4646-803E-1CCE41789BEC}" type="slidenum">
               <a:rPr lang="pt-PT" smtClean="0"/>
-              <a:t>‹nº›</a:t>
+              <a:t>‹#›</a:t>
             </a:fld>
             <a:endParaRPr lang="pt-PT"/>
           </a:p>
@@ -1651,7 +1654,7 @@
           <a:p>
             <a:fld id="{15A16595-07AD-4646-803E-1CCE41789BEC}" type="slidenum">
               <a:rPr lang="pt-PT" smtClean="0"/>
-              <a:t>‹nº›</a:t>
+              <a:t>‹#›</a:t>
             </a:fld>
             <a:endParaRPr lang="pt-PT"/>
           </a:p>
@@ -1880,7 +1883,7 @@
           <a:p>
             <a:fld id="{15A16595-07AD-4646-803E-1CCE41789BEC}" type="slidenum">
               <a:rPr lang="pt-PT" smtClean="0"/>
-              <a:t>‹nº›</a:t>
+              <a:t>‹#›</a:t>
             </a:fld>
             <a:endParaRPr lang="pt-PT"/>
           </a:p>
@@ -2244,7 +2247,7 @@
           <a:p>
             <a:fld id="{15A16595-07AD-4646-803E-1CCE41789BEC}" type="slidenum">
               <a:rPr lang="pt-PT" smtClean="0"/>
-              <a:t>‹nº›</a:t>
+              <a:t>‹#›</a:t>
             </a:fld>
             <a:endParaRPr lang="pt-PT"/>
           </a:p>
@@ -2361,7 +2364,7 @@
           <a:p>
             <a:fld id="{15A16595-07AD-4646-803E-1CCE41789BEC}" type="slidenum">
               <a:rPr lang="pt-PT" smtClean="0"/>
-              <a:t>‹nº›</a:t>
+              <a:t>‹#›</a:t>
             </a:fld>
             <a:endParaRPr lang="pt-PT"/>
           </a:p>
@@ -2456,7 +2459,7 @@
           <a:p>
             <a:fld id="{15A16595-07AD-4646-803E-1CCE41789BEC}" type="slidenum">
               <a:rPr lang="pt-PT" smtClean="0"/>
-              <a:t>‹nº›</a:t>
+              <a:t>‹#›</a:t>
             </a:fld>
             <a:endParaRPr lang="pt-PT"/>
           </a:p>
@@ -2731,7 +2734,7 @@
           <a:p>
             <a:fld id="{15A16595-07AD-4646-803E-1CCE41789BEC}" type="slidenum">
               <a:rPr lang="pt-PT" smtClean="0"/>
-              <a:t>‹nº›</a:t>
+              <a:t>‹#›</a:t>
             </a:fld>
             <a:endParaRPr lang="pt-PT"/>
           </a:p>
@@ -2983,7 +2986,7 @@
           <a:p>
             <a:fld id="{15A16595-07AD-4646-803E-1CCE41789BEC}" type="slidenum">
               <a:rPr lang="pt-PT" smtClean="0"/>
-              <a:t>‹nº›</a:t>
+              <a:t>‹#›</a:t>
             </a:fld>
             <a:endParaRPr lang="pt-PT"/>
           </a:p>
@@ -3230,7 +3233,7 @@
           <a:p>
             <a:fld id="{15A16595-07AD-4646-803E-1CCE41789BEC}" type="slidenum">
               <a:rPr lang="pt-PT" smtClean="0"/>
-              <a:t>‹nº›</a:t>
+              <a:t>‹#›</a:t>
             </a:fld>
             <a:endParaRPr lang="pt-PT"/>
           </a:p>
@@ -3659,6 +3662,176 @@
 </p:sld>
 </file>
 
+<file path=ppt/slides/slide10.xml><?xml version="1.0" encoding="utf-8"?>
+<p:sld xmlns:a="http://schemas.openxmlformats.org/drawingml/2006/main" xmlns:r="http://schemas.openxmlformats.org/officeDocument/2006/relationships" xmlns:p="http://schemas.openxmlformats.org/presentationml/2006/main">
+  <p:cSld>
+    <p:spTree>
+      <p:nvGrpSpPr>
+        <p:cNvPr id="1" name=""/>
+        <p:cNvGrpSpPr/>
+        <p:nvPr/>
+      </p:nvGrpSpPr>
+      <p:grpSpPr>
+        <a:xfrm>
+          <a:off x="0" y="0"/>
+          <a:ext cx="0" cy="0"/>
+          <a:chOff x="0" y="0"/>
+          <a:chExt cx="0" cy="0"/>
+        </a:xfrm>
+      </p:grpSpPr>
+      <p:sp>
+        <p:nvSpPr>
+          <p:cNvPr id="2" name="Title 1">
+            <a:extLst>
+              <a:ext uri="{FF2B5EF4-FFF2-40B4-BE49-F238E27FC236}">
+                <a16:creationId xmlns:a16="http://schemas.microsoft.com/office/drawing/2014/main" id="{90B8BCA2-0804-EC48-9A27-0F372F7F5FCD}"/>
+              </a:ext>
+            </a:extLst>
+          </p:cNvPr>
+          <p:cNvSpPr>
+            <a:spLocks noGrp="1"/>
+          </p:cNvSpPr>
+          <p:nvPr>
+            <p:ph type="title"/>
+          </p:nvPr>
+        </p:nvSpPr>
+        <p:spPr/>
+        <p:txBody>
+          <a:bodyPr/>
+          <a:lstStyle/>
+          <a:p>
+            <a:r>
+              <a:rPr lang="en-GB" dirty="0"/>
+              <a:t>Reflect and Document</a:t>
+            </a:r>
+          </a:p>
+        </p:txBody>
+      </p:sp>
+      <p:sp>
+        <p:nvSpPr>
+          <p:cNvPr id="3" name="Text Placeholder 2">
+            <a:extLst>
+              <a:ext uri="{FF2B5EF4-FFF2-40B4-BE49-F238E27FC236}">
+                <a16:creationId xmlns:a16="http://schemas.microsoft.com/office/drawing/2014/main" id="{C3F07A90-FCB4-DFFE-3FAB-8427993E9371}"/>
+              </a:ext>
+            </a:extLst>
+          </p:cNvPr>
+          <p:cNvSpPr>
+            <a:spLocks noGrp="1"/>
+          </p:cNvSpPr>
+          <p:nvPr>
+            <p:ph type="body" idx="1"/>
+          </p:nvPr>
+        </p:nvSpPr>
+        <p:spPr/>
+        <p:txBody>
+          <a:bodyPr/>
+          <a:lstStyle/>
+          <a:p>
+            <a:r>
+              <a:rPr lang="en-GB" dirty="0"/>
+              <a:t>Learn from the Process:</a:t>
+            </a:r>
+          </a:p>
+        </p:txBody>
+      </p:sp>
+      <p:sp>
+        <p:nvSpPr>
+          <p:cNvPr id="4" name="Content Placeholder 3">
+            <a:extLst>
+              <a:ext uri="{FF2B5EF4-FFF2-40B4-BE49-F238E27FC236}">
+                <a16:creationId xmlns:a16="http://schemas.microsoft.com/office/drawing/2014/main" id="{63D9B31B-DBAA-1E31-911E-0A6361BBCFC0}"/>
+              </a:ext>
+            </a:extLst>
+          </p:cNvPr>
+          <p:cNvSpPr>
+            <a:spLocks noGrp="1"/>
+          </p:cNvSpPr>
+          <p:nvPr>
+            <p:ph sz="half" idx="2"/>
+          </p:nvPr>
+        </p:nvSpPr>
+        <p:spPr/>
+        <p:txBody>
+          <a:bodyPr/>
+          <a:lstStyle/>
+          <a:p>
+            <a:r>
+              <a:rPr lang="en-GB" dirty="0"/>
+              <a:t>Evaluate what worked well and what could be improved for future projects.</a:t>
+            </a:r>
+          </a:p>
+        </p:txBody>
+      </p:sp>
+      <p:sp>
+        <p:nvSpPr>
+          <p:cNvPr id="5" name="Text Placeholder 4">
+            <a:extLst>
+              <a:ext uri="{FF2B5EF4-FFF2-40B4-BE49-F238E27FC236}">
+                <a16:creationId xmlns:a16="http://schemas.microsoft.com/office/drawing/2014/main" id="{ABB2BE4B-6F83-7976-E6DB-6E29731BC5D2}"/>
+              </a:ext>
+            </a:extLst>
+          </p:cNvPr>
+          <p:cNvSpPr>
+            <a:spLocks noGrp="1"/>
+          </p:cNvSpPr>
+          <p:nvPr>
+            <p:ph type="body" sz="quarter" idx="3"/>
+          </p:nvPr>
+        </p:nvSpPr>
+        <p:spPr/>
+        <p:txBody>
+          <a:bodyPr/>
+          <a:lstStyle/>
+          <a:p>
+            <a:r>
+              <a:rPr lang="en-GB" dirty="0"/>
+              <a:t>Document the Solution:</a:t>
+            </a:r>
+          </a:p>
+        </p:txBody>
+      </p:sp>
+      <p:sp>
+        <p:nvSpPr>
+          <p:cNvPr id="6" name="Content Placeholder 5">
+            <a:extLst>
+              <a:ext uri="{FF2B5EF4-FFF2-40B4-BE49-F238E27FC236}">
+                <a16:creationId xmlns:a16="http://schemas.microsoft.com/office/drawing/2014/main" id="{D6BFE1A0-F073-C22E-095C-A876F4B2C9DA}"/>
+              </a:ext>
+            </a:extLst>
+          </p:cNvPr>
+          <p:cNvSpPr>
+            <a:spLocks noGrp="1"/>
+          </p:cNvSpPr>
+          <p:nvPr>
+            <p:ph sz="quarter" idx="4"/>
+          </p:nvPr>
+        </p:nvSpPr>
+        <p:spPr/>
+        <p:txBody>
+          <a:bodyPr/>
+          <a:lstStyle/>
+          <a:p>
+            <a:r>
+              <a:rPr lang="en-GB" dirty="0"/>
+              <a:t>Write clear documentation for users, collaborators, and future developers.</a:t>
+            </a:r>
+          </a:p>
+        </p:txBody>
+      </p:sp>
+    </p:spTree>
+    <p:extLst>
+      <p:ext uri="{BB962C8B-B14F-4D97-AF65-F5344CB8AC3E}">
+        <p14:creationId xmlns:p14="http://schemas.microsoft.com/office/powerpoint/2010/main" val="2858451994"/>
+      </p:ext>
+    </p:extLst>
+  </p:cSld>
+  <p:clrMapOvr>
+    <a:masterClrMapping/>
+  </p:clrMapOvr>
+</p:sld>
+</file>
+
 <file path=ppt/slides/slide2.xml><?xml version="1.0" encoding="utf-8"?>
 <p:sld xmlns:a="http://schemas.openxmlformats.org/drawingml/2006/main" xmlns:r="http://schemas.openxmlformats.org/officeDocument/2006/relationships" xmlns:p="http://schemas.openxmlformats.org/presentationml/2006/main">
   <p:cSld>
@@ -3801,13 +3974,6 @@
               </a:rPr>
               <a:t>.</a:t>
             </a:r>
-            <a:endParaRPr lang="pt-PT">
-              <a:solidFill>
-                <a:srgbClr val="1F1F1F"/>
-              </a:solidFill>
-              <a:ea typeface="+mn-lt"/>
-              <a:cs typeface="+mn-lt"/>
-            </a:endParaRPr>
           </a:p>
           <a:p>
             <a:pPr>
@@ -4073,46 +4239,6 @@
                 <a:cs typeface="+mn-lt"/>
               </a:rPr>
               <a:t>Step 6: </a:t>
-            </a:r>
-            <a:r>
-              <a:rPr lang="pt-PT" dirty="0" err="1">
-                <a:solidFill>
-                  <a:srgbClr val="1F1F1F"/>
-                </a:solidFill>
-                <a:ea typeface="+mn-lt"/>
-                <a:cs typeface="+mn-lt"/>
-              </a:rPr>
-              <a:t>Iterate</a:t>
-            </a:r>
-            <a:r>
-              <a:rPr lang="pt-PT" dirty="0">
-                <a:solidFill>
-                  <a:srgbClr val="1F1F1F"/>
-                </a:solidFill>
-                <a:ea typeface="+mn-lt"/>
-                <a:cs typeface="+mn-lt"/>
-              </a:rPr>
-              <a:t> </a:t>
-            </a:r>
-            <a:r>
-              <a:rPr lang="pt-PT" dirty="0" err="1">
-                <a:solidFill>
-                  <a:srgbClr val="1F1F1F"/>
-                </a:solidFill>
-                <a:ea typeface="+mn-lt"/>
-                <a:cs typeface="+mn-lt"/>
-              </a:rPr>
-              <a:t>and</a:t>
-            </a:r>
-            <a:r>
-              <a:rPr lang="pt-PT" dirty="0">
-                <a:solidFill>
-                  <a:srgbClr val="1F1F1F"/>
-                </a:solidFill>
-                <a:ea typeface="+mn-lt"/>
-                <a:cs typeface="+mn-lt"/>
-              </a:rPr>
-              <a:t> </a:t>
             </a:r>
             <a:r>
               <a:rPr lang="pt-PT" dirty="0" err="1">
@@ -6679,6 +6805,366 @@
     <p:extLst>
       <p:ext uri="{BB962C8B-B14F-4D97-AF65-F5344CB8AC3E}">
         <p14:creationId xmlns:p14="http://schemas.microsoft.com/office/powerpoint/2010/main" val="2087239754"/>
+      </p:ext>
+    </p:extLst>
+  </p:cSld>
+  <p:clrMapOvr>
+    <a:masterClrMapping/>
+  </p:clrMapOvr>
+</p:sld>
+</file>
+
+<file path=ppt/slides/slide8.xml><?xml version="1.0" encoding="utf-8"?>
+<p:sld xmlns:a="http://schemas.openxmlformats.org/drawingml/2006/main" xmlns:r="http://schemas.openxmlformats.org/officeDocument/2006/relationships" xmlns:p="http://schemas.openxmlformats.org/presentationml/2006/main">
+  <p:cSld>
+    <p:spTree>
+      <p:nvGrpSpPr>
+        <p:cNvPr id="1" name=""/>
+        <p:cNvGrpSpPr/>
+        <p:nvPr/>
+      </p:nvGrpSpPr>
+      <p:grpSpPr>
+        <a:xfrm>
+          <a:off x="0" y="0"/>
+          <a:ext cx="0" cy="0"/>
+          <a:chOff x="0" y="0"/>
+          <a:chExt cx="0" cy="0"/>
+        </a:xfrm>
+      </p:grpSpPr>
+      <p:sp>
+        <p:nvSpPr>
+          <p:cNvPr id="2" name="Title 1">
+            <a:extLst>
+              <a:ext uri="{FF2B5EF4-FFF2-40B4-BE49-F238E27FC236}">
+                <a16:creationId xmlns:a16="http://schemas.microsoft.com/office/drawing/2014/main" id="{DB2A74EB-4463-ED5C-1C11-ACAD4B3C60F0}"/>
+              </a:ext>
+            </a:extLst>
+          </p:cNvPr>
+          <p:cNvSpPr>
+            <a:spLocks noGrp="1"/>
+          </p:cNvSpPr>
+          <p:nvPr>
+            <p:ph type="title"/>
+          </p:nvPr>
+        </p:nvSpPr>
+        <p:spPr/>
+        <p:txBody>
+          <a:bodyPr/>
+          <a:lstStyle/>
+          <a:p>
+            <a:r>
+              <a:rPr lang="pt-PT" dirty="0" err="1">
+                <a:solidFill>
+                  <a:srgbClr val="1F1F1F"/>
+                </a:solidFill>
+                <a:ea typeface="+mn-lt"/>
+                <a:cs typeface="+mn-lt"/>
+              </a:rPr>
+              <a:t>Optimize</a:t>
+            </a:r>
+            <a:r>
+              <a:rPr lang="pt-PT" dirty="0">
+                <a:solidFill>
+                  <a:srgbClr val="1F1F1F"/>
+                </a:solidFill>
+                <a:ea typeface="+mn-lt"/>
+                <a:cs typeface="+mn-lt"/>
+              </a:rPr>
+              <a:t> </a:t>
+            </a:r>
+            <a:endParaRPr lang="en-GB" dirty="0"/>
+          </a:p>
+        </p:txBody>
+      </p:sp>
+      <p:sp>
+        <p:nvSpPr>
+          <p:cNvPr id="4" name="Text Placeholder 3">
+            <a:extLst>
+              <a:ext uri="{FF2B5EF4-FFF2-40B4-BE49-F238E27FC236}">
+                <a16:creationId xmlns:a16="http://schemas.microsoft.com/office/drawing/2014/main" id="{4802121E-043E-9FE3-F6A8-F12303898EB6}"/>
+              </a:ext>
+            </a:extLst>
+          </p:cNvPr>
+          <p:cNvSpPr>
+            <a:spLocks noGrp="1"/>
+          </p:cNvSpPr>
+          <p:nvPr>
+            <p:ph type="body" idx="1"/>
+          </p:nvPr>
+        </p:nvSpPr>
+        <p:spPr/>
+        <p:txBody>
+          <a:bodyPr/>
+          <a:lstStyle/>
+          <a:p>
+            <a:r>
+              <a:rPr lang="en-GB" dirty="0"/>
+              <a:t>Optimize:</a:t>
+            </a:r>
+          </a:p>
+        </p:txBody>
+      </p:sp>
+      <p:sp>
+        <p:nvSpPr>
+          <p:cNvPr id="5" name="Content Placeholder 4">
+            <a:extLst>
+              <a:ext uri="{FF2B5EF4-FFF2-40B4-BE49-F238E27FC236}">
+                <a16:creationId xmlns:a16="http://schemas.microsoft.com/office/drawing/2014/main" id="{A6133966-EECD-121F-3096-5E80834EB5DB}"/>
+              </a:ext>
+            </a:extLst>
+          </p:cNvPr>
+          <p:cNvSpPr>
+            <a:spLocks noGrp="1"/>
+          </p:cNvSpPr>
+          <p:nvPr>
+            <p:ph sz="half" idx="2"/>
+          </p:nvPr>
+        </p:nvSpPr>
+        <p:spPr/>
+        <p:txBody>
+          <a:bodyPr/>
+          <a:lstStyle/>
+          <a:p>
+            <a:r>
+              <a:rPr lang="en-GB" dirty="0"/>
+              <a:t>Improve performance, scalability, or usability.</a:t>
+            </a:r>
+          </a:p>
+        </p:txBody>
+      </p:sp>
+      <p:sp>
+        <p:nvSpPr>
+          <p:cNvPr id="6" name="Text Placeholder 5">
+            <a:extLst>
+              <a:ext uri="{FF2B5EF4-FFF2-40B4-BE49-F238E27FC236}">
+                <a16:creationId xmlns:a16="http://schemas.microsoft.com/office/drawing/2014/main" id="{3C18ED20-3326-26FF-5591-232585BA48E1}"/>
+              </a:ext>
+            </a:extLst>
+          </p:cNvPr>
+          <p:cNvSpPr>
+            <a:spLocks noGrp="1"/>
+          </p:cNvSpPr>
+          <p:nvPr>
+            <p:ph type="body" sz="quarter" idx="3"/>
+          </p:nvPr>
+        </p:nvSpPr>
+        <p:spPr/>
+        <p:txBody>
+          <a:bodyPr/>
+          <a:lstStyle/>
+          <a:p>
+            <a:r>
+              <a:rPr lang="en-GB" dirty="0"/>
+              <a:t>Refactor:</a:t>
+            </a:r>
+          </a:p>
+        </p:txBody>
+      </p:sp>
+      <p:sp>
+        <p:nvSpPr>
+          <p:cNvPr id="7" name="Content Placeholder 6">
+            <a:extLst>
+              <a:ext uri="{FF2B5EF4-FFF2-40B4-BE49-F238E27FC236}">
+                <a16:creationId xmlns:a16="http://schemas.microsoft.com/office/drawing/2014/main" id="{AB3B3A6B-610D-1A89-CE55-DF600EFB2927}"/>
+              </a:ext>
+            </a:extLst>
+          </p:cNvPr>
+          <p:cNvSpPr>
+            <a:spLocks noGrp="1"/>
+          </p:cNvSpPr>
+          <p:nvPr>
+            <p:ph sz="quarter" idx="4"/>
+          </p:nvPr>
+        </p:nvSpPr>
+        <p:spPr/>
+        <p:txBody>
+          <a:bodyPr/>
+          <a:lstStyle/>
+          <a:p>
+            <a:r>
+              <a:rPr lang="en-GB" dirty="0"/>
+              <a:t>Clean and restructure code for better readability and future-proofing.</a:t>
+            </a:r>
+          </a:p>
+          <a:p>
+            <a:endParaRPr lang="en-GB" dirty="0"/>
+          </a:p>
+        </p:txBody>
+      </p:sp>
+    </p:spTree>
+    <p:extLst>
+      <p:ext uri="{BB962C8B-B14F-4D97-AF65-F5344CB8AC3E}">
+        <p14:creationId xmlns:p14="http://schemas.microsoft.com/office/powerpoint/2010/main" val="3923742726"/>
+      </p:ext>
+    </p:extLst>
+  </p:cSld>
+  <p:clrMapOvr>
+    <a:masterClrMapping/>
+  </p:clrMapOvr>
+</p:sld>
+</file>
+
+<file path=ppt/slides/slide9.xml><?xml version="1.0" encoding="utf-8"?>
+<p:sld xmlns:a="http://schemas.openxmlformats.org/drawingml/2006/main" xmlns:r="http://schemas.openxmlformats.org/officeDocument/2006/relationships" xmlns:p="http://schemas.openxmlformats.org/presentationml/2006/main">
+  <p:cSld>
+    <p:spTree>
+      <p:nvGrpSpPr>
+        <p:cNvPr id="1" name=""/>
+        <p:cNvGrpSpPr/>
+        <p:nvPr/>
+      </p:nvGrpSpPr>
+      <p:grpSpPr>
+        <a:xfrm>
+          <a:off x="0" y="0"/>
+          <a:ext cx="0" cy="0"/>
+          <a:chOff x="0" y="0"/>
+          <a:chExt cx="0" cy="0"/>
+        </a:xfrm>
+      </p:grpSpPr>
+      <p:sp>
+        <p:nvSpPr>
+          <p:cNvPr id="2" name="Title 1">
+            <a:extLst>
+              <a:ext uri="{FF2B5EF4-FFF2-40B4-BE49-F238E27FC236}">
+                <a16:creationId xmlns:a16="http://schemas.microsoft.com/office/drawing/2014/main" id="{D0D06FAD-307C-5BF5-18E6-DE270ABE498C}"/>
+              </a:ext>
+            </a:extLst>
+          </p:cNvPr>
+          <p:cNvSpPr>
+            <a:spLocks noGrp="1"/>
+          </p:cNvSpPr>
+          <p:nvPr>
+            <p:ph type="title"/>
+          </p:nvPr>
+        </p:nvSpPr>
+        <p:spPr/>
+        <p:txBody>
+          <a:bodyPr/>
+          <a:lstStyle/>
+          <a:p>
+            <a:r>
+              <a:rPr lang="en-GB" dirty="0"/>
+              <a:t>Implement and Monitor</a:t>
+            </a:r>
+          </a:p>
+        </p:txBody>
+      </p:sp>
+      <p:sp>
+        <p:nvSpPr>
+          <p:cNvPr id="3" name="Text Placeholder 2">
+            <a:extLst>
+              <a:ext uri="{FF2B5EF4-FFF2-40B4-BE49-F238E27FC236}">
+                <a16:creationId xmlns:a16="http://schemas.microsoft.com/office/drawing/2014/main" id="{7F65BDF6-7B33-189D-6116-DBF2C4AA268F}"/>
+              </a:ext>
+            </a:extLst>
+          </p:cNvPr>
+          <p:cNvSpPr>
+            <a:spLocks noGrp="1"/>
+          </p:cNvSpPr>
+          <p:nvPr>
+            <p:ph type="body" idx="1"/>
+          </p:nvPr>
+        </p:nvSpPr>
+        <p:spPr/>
+        <p:txBody>
+          <a:bodyPr/>
+          <a:lstStyle/>
+          <a:p>
+            <a:r>
+              <a:rPr lang="en-GB" dirty="0"/>
+              <a:t>Monitor Performance:</a:t>
+            </a:r>
+          </a:p>
+        </p:txBody>
+      </p:sp>
+      <p:sp>
+        <p:nvSpPr>
+          <p:cNvPr id="4" name="Content Placeholder 3">
+            <a:extLst>
+              <a:ext uri="{FF2B5EF4-FFF2-40B4-BE49-F238E27FC236}">
+                <a16:creationId xmlns:a16="http://schemas.microsoft.com/office/drawing/2014/main" id="{89E97F04-3DA5-7EF4-D04B-10CF6F9CA9ED}"/>
+              </a:ext>
+            </a:extLst>
+          </p:cNvPr>
+          <p:cNvSpPr>
+            <a:spLocks noGrp="1"/>
+          </p:cNvSpPr>
+          <p:nvPr>
+            <p:ph sz="half" idx="2"/>
+          </p:nvPr>
+        </p:nvSpPr>
+        <p:spPr/>
+        <p:txBody>
+          <a:bodyPr/>
+          <a:lstStyle/>
+          <a:p>
+            <a:r>
+              <a:rPr lang="en-GB" dirty="0"/>
+              <a:t>Track metrics or use feedback loops to ensure the solution works as expected.</a:t>
+            </a:r>
+          </a:p>
+        </p:txBody>
+      </p:sp>
+      <p:sp>
+        <p:nvSpPr>
+          <p:cNvPr id="5" name="Text Placeholder 4">
+            <a:extLst>
+              <a:ext uri="{FF2B5EF4-FFF2-40B4-BE49-F238E27FC236}">
+                <a16:creationId xmlns:a16="http://schemas.microsoft.com/office/drawing/2014/main" id="{84108E09-88AE-F57F-902E-727B397E47E0}"/>
+              </a:ext>
+            </a:extLst>
+          </p:cNvPr>
+          <p:cNvSpPr>
+            <a:spLocks noGrp="1"/>
+          </p:cNvSpPr>
+          <p:nvPr>
+            <p:ph type="body" sz="quarter" idx="3"/>
+          </p:nvPr>
+        </p:nvSpPr>
+        <p:spPr/>
+        <p:txBody>
+          <a:bodyPr/>
+          <a:lstStyle/>
+          <a:p>
+            <a:r>
+              <a:rPr lang="en-GB" dirty="0"/>
+              <a:t>Maintenance:</a:t>
+            </a:r>
+          </a:p>
+        </p:txBody>
+      </p:sp>
+      <p:sp>
+        <p:nvSpPr>
+          <p:cNvPr id="6" name="Content Placeholder 5">
+            <a:extLst>
+              <a:ext uri="{FF2B5EF4-FFF2-40B4-BE49-F238E27FC236}">
+                <a16:creationId xmlns:a16="http://schemas.microsoft.com/office/drawing/2014/main" id="{442383E2-45DE-CAD0-3264-A7274002F236}"/>
+              </a:ext>
+            </a:extLst>
+          </p:cNvPr>
+          <p:cNvSpPr>
+            <a:spLocks noGrp="1"/>
+          </p:cNvSpPr>
+          <p:nvPr>
+            <p:ph sz="quarter" idx="4"/>
+          </p:nvPr>
+        </p:nvSpPr>
+        <p:spPr/>
+        <p:txBody>
+          <a:bodyPr/>
+          <a:lstStyle/>
+          <a:p>
+            <a:r>
+              <a:rPr lang="en-GB" dirty="0"/>
+              <a:t>Address any ongoing issues or updates as they arise.</a:t>
+            </a:r>
+          </a:p>
+        </p:txBody>
+      </p:sp>
+    </p:spTree>
+    <p:extLst>
+      <p:ext uri="{BB962C8B-B14F-4D97-AF65-F5344CB8AC3E}">
+        <p14:creationId xmlns:p14="http://schemas.microsoft.com/office/powerpoint/2010/main" val="3618869899"/>
       </p:ext>
     </p:extLst>
   </p:cSld>

--- a/ingles/Apresentação.pptx
+++ b/ingles/Apresentação.pptx
@@ -123,6 +123,7 @@
   <p1510:revLst>
     <p1510:client id="{50466A84-B016-8E2E-ED03-52892A9B5F5C}" v="436" dt="2024-12-04T16:36:50.493"/>
     <p1510:client id="{9B618B0C-20F5-2874-B772-63B7FA736773}" v="97" dt="2024-12-04T14:38:58.890"/>
+    <p1510:client id="{EF48EA08-D4D5-9958-D41A-1B1FB866786C}" v="49" dt="2024-12-05T11:58:47.154"/>
   </p1510:revLst>
 </p1510:revInfo>
 </file>
@@ -718,6 +719,45 @@
       </pc:sldChg>
     </pc:docChg>
   </pc:docChgLst>
+  <pc:docChgLst>
+    <pc:chgData name="Licínio Sousa - ALUNO PRT" userId="S::licinio.sousa.prt_a@msft.cesae.pt::fd9f3b33-ebf7-4650-93c0-079c04263e4d" providerId="AD" clId="Web-{EF48EA08-D4D5-9958-D41A-1B1FB866786C}"/>
+    <pc:docChg chg="modSld">
+      <pc:chgData name="Licínio Sousa - ALUNO PRT" userId="S::licinio.sousa.prt_a@msft.cesae.pt::fd9f3b33-ebf7-4650-93c0-079c04263e4d" providerId="AD" clId="Web-{EF48EA08-D4D5-9958-D41A-1B1FB866786C}" dt="2024-12-05T11:58:47.154" v="49" actId="20577"/>
+      <pc:docMkLst>
+        <pc:docMk/>
+      </pc:docMkLst>
+      <pc:sldChg chg="modSp">
+        <pc:chgData name="Licínio Sousa - ALUNO PRT" userId="S::licinio.sousa.prt_a@msft.cesae.pt::fd9f3b33-ebf7-4650-93c0-079c04263e4d" providerId="AD" clId="Web-{EF48EA08-D4D5-9958-D41A-1B1FB866786C}" dt="2024-12-05T11:58:47.154" v="49" actId="20577"/>
+        <pc:sldMkLst>
+          <pc:docMk/>
+          <pc:sldMk cId="573669488" sldId="257"/>
+        </pc:sldMkLst>
+        <pc:spChg chg="mod">
+          <ac:chgData name="Licínio Sousa - ALUNO PRT" userId="S::licinio.sousa.prt_a@msft.cesae.pt::fd9f3b33-ebf7-4650-93c0-079c04263e4d" providerId="AD" clId="Web-{EF48EA08-D4D5-9958-D41A-1B1FB866786C}" dt="2024-12-05T11:58:47.154" v="49" actId="20577"/>
+          <ac:spMkLst>
+            <pc:docMk/>
+            <pc:sldMk cId="573669488" sldId="257"/>
+            <ac:spMk id="3" creationId="{98AFFC47-2621-D7D0-C3A0-77269E994C26}"/>
+          </ac:spMkLst>
+        </pc:spChg>
+      </pc:sldChg>
+      <pc:sldChg chg="modSp">
+        <pc:chgData name="Licínio Sousa - ALUNO PRT" userId="S::licinio.sousa.prt_a@msft.cesae.pt::fd9f3b33-ebf7-4650-93c0-079c04263e4d" providerId="AD" clId="Web-{EF48EA08-D4D5-9958-D41A-1B1FB866786C}" dt="2024-12-05T11:28:46.655" v="27" actId="20577"/>
+        <pc:sldMkLst>
+          <pc:docMk/>
+          <pc:sldMk cId="3380307422" sldId="258"/>
+        </pc:sldMkLst>
+        <pc:spChg chg="mod">
+          <ac:chgData name="Licínio Sousa - ALUNO PRT" userId="S::licinio.sousa.prt_a@msft.cesae.pt::fd9f3b33-ebf7-4650-93c0-079c04263e4d" providerId="AD" clId="Web-{EF48EA08-D4D5-9958-D41A-1B1FB866786C}" dt="2024-12-05T11:28:46.655" v="27" actId="20577"/>
+          <ac:spMkLst>
+            <pc:docMk/>
+            <pc:sldMk cId="3380307422" sldId="258"/>
+            <ac:spMk id="3" creationId="{0AE2B4C7-5B60-8D08-2918-291FBB9DD20D}"/>
+          </ac:spMkLst>
+        </pc:spChg>
+      </pc:sldChg>
+    </pc:docChg>
+  </pc:docChgLst>
 </pc:chgInfo>
 </file>
 
@@ -850,7 +890,7 @@
           <a:p>
             <a:fld id="{E431C0BB-DC71-4713-A787-95011EDB8CA8}" type="datetimeFigureOut">
               <a:rPr lang="pt-PT" smtClean="0"/>
-              <a:t>04/12/2024</a:t>
+              <a:t>05/12/2024</a:t>
             </a:fld>
             <a:endParaRPr lang="pt-PT"/>
           </a:p>
@@ -1018,7 +1058,7 @@
           <a:p>
             <a:fld id="{E431C0BB-DC71-4713-A787-95011EDB8CA8}" type="datetimeFigureOut">
               <a:rPr lang="pt-PT" smtClean="0"/>
-              <a:t>04/12/2024</a:t>
+              <a:t>05/12/2024</a:t>
             </a:fld>
             <a:endParaRPr lang="pt-PT"/>
           </a:p>
@@ -1196,7 +1236,7 @@
           <a:p>
             <a:fld id="{E431C0BB-DC71-4713-A787-95011EDB8CA8}" type="datetimeFigureOut">
               <a:rPr lang="pt-PT" smtClean="0"/>
-              <a:t>04/12/2024</a:t>
+              <a:t>05/12/2024</a:t>
             </a:fld>
             <a:endParaRPr lang="pt-PT"/>
           </a:p>
@@ -1364,7 +1404,7 @@
           <a:p>
             <a:fld id="{E431C0BB-DC71-4713-A787-95011EDB8CA8}" type="datetimeFigureOut">
               <a:rPr lang="pt-PT" smtClean="0"/>
-              <a:t>04/12/2024</a:t>
+              <a:t>05/12/2024</a:t>
             </a:fld>
             <a:endParaRPr lang="pt-PT"/>
           </a:p>
@@ -1609,7 +1649,7 @@
           <a:p>
             <a:fld id="{E431C0BB-DC71-4713-A787-95011EDB8CA8}" type="datetimeFigureOut">
               <a:rPr lang="pt-PT" smtClean="0"/>
-              <a:t>04/12/2024</a:t>
+              <a:t>05/12/2024</a:t>
             </a:fld>
             <a:endParaRPr lang="pt-PT"/>
           </a:p>
@@ -1838,7 +1878,7 @@
           <a:p>
             <a:fld id="{E431C0BB-DC71-4713-A787-95011EDB8CA8}" type="datetimeFigureOut">
               <a:rPr lang="pt-PT" smtClean="0"/>
-              <a:t>04/12/2024</a:t>
+              <a:t>05/12/2024</a:t>
             </a:fld>
             <a:endParaRPr lang="pt-PT"/>
           </a:p>
@@ -2202,7 +2242,7 @@
           <a:p>
             <a:fld id="{E431C0BB-DC71-4713-A787-95011EDB8CA8}" type="datetimeFigureOut">
               <a:rPr lang="pt-PT" smtClean="0"/>
-              <a:t>04/12/2024</a:t>
+              <a:t>05/12/2024</a:t>
             </a:fld>
             <a:endParaRPr lang="pt-PT"/>
           </a:p>
@@ -2319,7 +2359,7 @@
           <a:p>
             <a:fld id="{E431C0BB-DC71-4713-A787-95011EDB8CA8}" type="datetimeFigureOut">
               <a:rPr lang="pt-PT" smtClean="0"/>
-              <a:t>04/12/2024</a:t>
+              <a:t>05/12/2024</a:t>
             </a:fld>
             <a:endParaRPr lang="pt-PT"/>
           </a:p>
@@ -2414,7 +2454,7 @@
           <a:p>
             <a:fld id="{E431C0BB-DC71-4713-A787-95011EDB8CA8}" type="datetimeFigureOut">
               <a:rPr lang="pt-PT" smtClean="0"/>
-              <a:t>04/12/2024</a:t>
+              <a:t>05/12/2024</a:t>
             </a:fld>
             <a:endParaRPr lang="pt-PT"/>
           </a:p>
@@ -2689,7 +2729,7 @@
           <a:p>
             <a:fld id="{E431C0BB-DC71-4713-A787-95011EDB8CA8}" type="datetimeFigureOut">
               <a:rPr lang="pt-PT" smtClean="0"/>
-              <a:t>04/12/2024</a:t>
+              <a:t>05/12/2024</a:t>
             </a:fld>
             <a:endParaRPr lang="pt-PT"/>
           </a:p>
@@ -2941,7 +2981,7 @@
           <a:p>
             <a:fld id="{E431C0BB-DC71-4713-A787-95011EDB8CA8}" type="datetimeFigureOut">
               <a:rPr lang="pt-PT" smtClean="0"/>
-              <a:t>04/12/2024</a:t>
+              <a:t>05/12/2024</a:t>
             </a:fld>
             <a:endParaRPr lang="pt-PT"/>
           </a:p>
@@ -3152,7 +3192,7 @@
           <a:p>
             <a:fld id="{E431C0BB-DC71-4713-A787-95011EDB8CA8}" type="datetimeFigureOut">
               <a:rPr lang="pt-PT" smtClean="0"/>
-              <a:t>04/12/2024</a:t>
+              <a:t>05/12/2024</a:t>
             </a:fld>
             <a:endParaRPr lang="pt-PT"/>
           </a:p>
@@ -3639,10 +3679,550 @@
         </p:nvSpPr>
         <p:spPr/>
         <p:txBody>
-          <a:bodyPr/>
-          <a:lstStyle/>
-          <a:p>
-            <a:endParaRPr lang="pt-PT"/>
+          <a:bodyPr vert="horz" lIns="91440" tIns="45720" rIns="91440" bIns="45720" rtlCol="0" anchor="t">
+            <a:normAutofit/>
+          </a:bodyPr>
+          <a:lstStyle/>
+          <a:p>
+            <a:r>
+              <a:rPr lang="pt-PT" dirty="0" err="1">
+                <a:ea typeface="+mn-lt"/>
+                <a:cs typeface="+mn-lt"/>
+              </a:rPr>
+              <a:t>There</a:t>
+            </a:r>
+            <a:r>
+              <a:rPr lang="pt-PT" dirty="0">
+                <a:ea typeface="+mn-lt"/>
+                <a:cs typeface="+mn-lt"/>
+              </a:rPr>
+              <a:t> are </a:t>
+            </a:r>
+            <a:r>
+              <a:rPr lang="pt-PT" dirty="0" err="1">
+                <a:ea typeface="+mn-lt"/>
+                <a:cs typeface="+mn-lt"/>
+              </a:rPr>
+              <a:t>many</a:t>
+            </a:r>
+            <a:r>
+              <a:rPr lang="pt-PT" dirty="0">
+                <a:ea typeface="+mn-lt"/>
+                <a:cs typeface="+mn-lt"/>
+              </a:rPr>
+              <a:t> </a:t>
+            </a:r>
+            <a:r>
+              <a:rPr lang="pt-PT" dirty="0" err="1">
+                <a:ea typeface="+mn-lt"/>
+                <a:cs typeface="+mn-lt"/>
+              </a:rPr>
+              <a:t>different</a:t>
+            </a:r>
+            <a:r>
+              <a:rPr lang="pt-PT" dirty="0">
+                <a:ea typeface="+mn-lt"/>
+                <a:cs typeface="+mn-lt"/>
+              </a:rPr>
+              <a:t> </a:t>
+            </a:r>
+            <a:r>
+              <a:rPr lang="pt-PT" dirty="0" err="1">
+                <a:ea typeface="+mn-lt"/>
+                <a:cs typeface="+mn-lt"/>
+              </a:rPr>
+              <a:t>approaches</a:t>
+            </a:r>
+            <a:r>
+              <a:rPr lang="pt-PT" dirty="0">
+                <a:ea typeface="+mn-lt"/>
+                <a:cs typeface="+mn-lt"/>
+              </a:rPr>
+              <a:t> to </a:t>
+            </a:r>
+            <a:r>
+              <a:rPr lang="pt-PT" dirty="0" err="1">
+                <a:ea typeface="+mn-lt"/>
+                <a:cs typeface="+mn-lt"/>
+              </a:rPr>
+              <a:t>problem</a:t>
+            </a:r>
+            <a:r>
+              <a:rPr lang="pt-PT" dirty="0">
+                <a:ea typeface="+mn-lt"/>
+                <a:cs typeface="+mn-lt"/>
+              </a:rPr>
+              <a:t> </a:t>
+            </a:r>
+            <a:r>
+              <a:rPr lang="pt-PT" dirty="0" err="1">
+                <a:ea typeface="+mn-lt"/>
+                <a:cs typeface="+mn-lt"/>
+              </a:rPr>
+              <a:t>solving</a:t>
+            </a:r>
+            <a:r>
+              <a:rPr lang="pt-PT" dirty="0">
+                <a:ea typeface="+mn-lt"/>
+                <a:cs typeface="+mn-lt"/>
+              </a:rPr>
+              <a:t>, </a:t>
+            </a:r>
+            <a:r>
+              <a:rPr lang="pt-PT" dirty="0" err="1">
+                <a:ea typeface="+mn-lt"/>
+                <a:cs typeface="+mn-lt"/>
+              </a:rPr>
+              <a:t>but</a:t>
+            </a:r>
+            <a:r>
+              <a:rPr lang="pt-PT" dirty="0">
+                <a:ea typeface="+mn-lt"/>
+                <a:cs typeface="+mn-lt"/>
+              </a:rPr>
+              <a:t> </a:t>
+            </a:r>
+            <a:r>
+              <a:rPr lang="pt-PT" dirty="0" err="1">
+                <a:ea typeface="+mn-lt"/>
+                <a:cs typeface="+mn-lt"/>
+              </a:rPr>
+              <a:t>one</a:t>
+            </a:r>
+            <a:r>
+              <a:rPr lang="pt-PT" dirty="0">
+                <a:ea typeface="+mn-lt"/>
+                <a:cs typeface="+mn-lt"/>
+              </a:rPr>
+              <a:t> </a:t>
+            </a:r>
+            <a:r>
+              <a:rPr lang="pt-PT" dirty="0" err="1">
+                <a:ea typeface="+mn-lt"/>
+                <a:cs typeface="+mn-lt"/>
+              </a:rPr>
+              <a:t>of</a:t>
+            </a:r>
+            <a:r>
+              <a:rPr lang="pt-PT" dirty="0">
+                <a:ea typeface="+mn-lt"/>
+                <a:cs typeface="+mn-lt"/>
+              </a:rPr>
+              <a:t> </a:t>
+            </a:r>
+            <a:r>
+              <a:rPr lang="pt-PT" dirty="0" err="1">
+                <a:ea typeface="+mn-lt"/>
+                <a:cs typeface="+mn-lt"/>
+              </a:rPr>
+              <a:t>the</a:t>
+            </a:r>
+            <a:r>
+              <a:rPr lang="pt-PT" dirty="0">
+                <a:ea typeface="+mn-lt"/>
+                <a:cs typeface="+mn-lt"/>
+              </a:rPr>
+              <a:t> </a:t>
+            </a:r>
+            <a:r>
+              <a:rPr lang="pt-PT" dirty="0" err="1">
+                <a:ea typeface="+mn-lt"/>
+                <a:cs typeface="+mn-lt"/>
+              </a:rPr>
+              <a:t>most</a:t>
+            </a:r>
+            <a:r>
+              <a:rPr lang="pt-PT" dirty="0">
+                <a:ea typeface="+mn-lt"/>
+                <a:cs typeface="+mn-lt"/>
+              </a:rPr>
+              <a:t> </a:t>
+            </a:r>
+            <a:r>
+              <a:rPr lang="pt-PT" dirty="0" err="1">
+                <a:ea typeface="+mn-lt"/>
+                <a:cs typeface="+mn-lt"/>
+              </a:rPr>
+              <a:t>effective</a:t>
+            </a:r>
+            <a:r>
+              <a:rPr lang="pt-PT" dirty="0">
+                <a:ea typeface="+mn-lt"/>
+                <a:cs typeface="+mn-lt"/>
+              </a:rPr>
+              <a:t> </a:t>
+            </a:r>
+            <a:r>
+              <a:rPr lang="pt-PT" dirty="0" err="1">
+                <a:ea typeface="+mn-lt"/>
+                <a:cs typeface="+mn-lt"/>
+              </a:rPr>
+              <a:t>is</a:t>
+            </a:r>
+            <a:r>
+              <a:rPr lang="pt-PT" dirty="0">
+                <a:ea typeface="+mn-lt"/>
+                <a:cs typeface="+mn-lt"/>
+              </a:rPr>
+              <a:t> </a:t>
+            </a:r>
+            <a:r>
+              <a:rPr lang="pt-PT" dirty="0" err="1">
+                <a:ea typeface="+mn-lt"/>
+                <a:cs typeface="+mn-lt"/>
+              </a:rPr>
+              <a:t>the</a:t>
+            </a:r>
+            <a:r>
+              <a:rPr lang="pt-PT" dirty="0">
+                <a:ea typeface="+mn-lt"/>
+                <a:cs typeface="+mn-lt"/>
+              </a:rPr>
+              <a:t> 8-step </a:t>
+            </a:r>
+            <a:r>
+              <a:rPr lang="pt-PT" dirty="0" err="1">
+                <a:ea typeface="+mn-lt"/>
+                <a:cs typeface="+mn-lt"/>
+              </a:rPr>
+              <a:t>problem-solving</a:t>
+            </a:r>
+            <a:r>
+              <a:rPr lang="pt-PT" dirty="0">
+                <a:ea typeface="+mn-lt"/>
+                <a:cs typeface="+mn-lt"/>
+              </a:rPr>
+              <a:t> </a:t>
+            </a:r>
+            <a:r>
+              <a:rPr lang="pt-PT">
+                <a:ea typeface="+mn-lt"/>
+                <a:cs typeface="+mn-lt"/>
+              </a:rPr>
+              <a:t>process.</a:t>
+            </a:r>
+          </a:p>
+          <a:p>
+            <a:r>
+              <a:rPr lang="pt-PT" err="1">
+                <a:ea typeface="+mn-lt"/>
+                <a:cs typeface="+mn-lt"/>
+              </a:rPr>
+              <a:t>This</a:t>
+            </a:r>
+            <a:r>
+              <a:rPr lang="pt-PT" dirty="0">
+                <a:ea typeface="+mn-lt"/>
+                <a:cs typeface="+mn-lt"/>
+              </a:rPr>
+              <a:t> </a:t>
+            </a:r>
+            <a:r>
+              <a:rPr lang="pt-PT" err="1">
+                <a:ea typeface="+mn-lt"/>
+                <a:cs typeface="+mn-lt"/>
+              </a:rPr>
+              <a:t>process</a:t>
+            </a:r>
+            <a:r>
+              <a:rPr lang="pt-PT" dirty="0">
+                <a:ea typeface="+mn-lt"/>
+                <a:cs typeface="+mn-lt"/>
+              </a:rPr>
+              <a:t> </a:t>
+            </a:r>
+            <a:r>
+              <a:rPr lang="pt-PT" err="1">
+                <a:ea typeface="+mn-lt"/>
+                <a:cs typeface="+mn-lt"/>
+              </a:rPr>
+              <a:t>is</a:t>
+            </a:r>
+            <a:r>
+              <a:rPr lang="pt-PT" dirty="0">
+                <a:ea typeface="+mn-lt"/>
+                <a:cs typeface="+mn-lt"/>
+              </a:rPr>
+              <a:t> </a:t>
+            </a:r>
+            <a:r>
+              <a:rPr lang="pt-PT" err="1">
+                <a:ea typeface="+mn-lt"/>
+                <a:cs typeface="+mn-lt"/>
+              </a:rPr>
+              <a:t>structured</a:t>
+            </a:r>
+            <a:r>
+              <a:rPr lang="pt-PT" dirty="0">
+                <a:ea typeface="+mn-lt"/>
+                <a:cs typeface="+mn-lt"/>
+              </a:rPr>
+              <a:t> </a:t>
+            </a:r>
+            <a:r>
+              <a:rPr lang="pt-PT" err="1">
+                <a:ea typeface="+mn-lt"/>
+                <a:cs typeface="+mn-lt"/>
+              </a:rPr>
+              <a:t>and</a:t>
+            </a:r>
+            <a:r>
+              <a:rPr lang="pt-PT" dirty="0">
+                <a:ea typeface="+mn-lt"/>
+                <a:cs typeface="+mn-lt"/>
+              </a:rPr>
+              <a:t> </a:t>
+            </a:r>
+            <a:r>
+              <a:rPr lang="pt-PT" err="1">
+                <a:ea typeface="+mn-lt"/>
+                <a:cs typeface="+mn-lt"/>
+              </a:rPr>
+              <a:t>systematic</a:t>
+            </a:r>
+            <a:r>
+              <a:rPr lang="pt-PT" dirty="0">
+                <a:ea typeface="+mn-lt"/>
+                <a:cs typeface="+mn-lt"/>
+              </a:rPr>
+              <a:t>, </a:t>
+            </a:r>
+            <a:r>
+              <a:rPr lang="pt-PT" err="1">
+                <a:ea typeface="+mn-lt"/>
+                <a:cs typeface="+mn-lt"/>
+              </a:rPr>
+              <a:t>which</a:t>
+            </a:r>
+            <a:r>
+              <a:rPr lang="pt-PT" dirty="0">
+                <a:ea typeface="+mn-lt"/>
+                <a:cs typeface="+mn-lt"/>
+              </a:rPr>
+              <a:t> </a:t>
+            </a:r>
+            <a:r>
+              <a:rPr lang="pt-PT" err="1">
+                <a:ea typeface="+mn-lt"/>
+                <a:cs typeface="+mn-lt"/>
+              </a:rPr>
+              <a:t>helps</a:t>
+            </a:r>
+            <a:r>
+              <a:rPr lang="pt-PT" dirty="0">
+                <a:ea typeface="+mn-lt"/>
+                <a:cs typeface="+mn-lt"/>
+              </a:rPr>
+              <a:t> to </a:t>
+            </a:r>
+            <a:r>
+              <a:rPr lang="pt-PT" err="1">
+                <a:ea typeface="+mn-lt"/>
+                <a:cs typeface="+mn-lt"/>
+              </a:rPr>
+              <a:t>ensure</a:t>
+            </a:r>
+            <a:r>
+              <a:rPr lang="pt-PT" dirty="0">
+                <a:ea typeface="+mn-lt"/>
+                <a:cs typeface="+mn-lt"/>
+              </a:rPr>
+              <a:t> </a:t>
+            </a:r>
+            <a:r>
+              <a:rPr lang="pt-PT" err="1">
+                <a:ea typeface="+mn-lt"/>
+                <a:cs typeface="+mn-lt"/>
+              </a:rPr>
+              <a:t>that</a:t>
+            </a:r>
+            <a:r>
+              <a:rPr lang="pt-PT" dirty="0">
+                <a:ea typeface="+mn-lt"/>
+                <a:cs typeface="+mn-lt"/>
+              </a:rPr>
+              <a:t> </a:t>
+            </a:r>
+            <a:r>
+              <a:rPr lang="pt-PT" err="1">
+                <a:ea typeface="+mn-lt"/>
+                <a:cs typeface="+mn-lt"/>
+              </a:rPr>
+              <a:t>problems</a:t>
+            </a:r>
+            <a:r>
+              <a:rPr lang="pt-PT" dirty="0">
+                <a:ea typeface="+mn-lt"/>
+                <a:cs typeface="+mn-lt"/>
+              </a:rPr>
+              <a:t> are </a:t>
+            </a:r>
+            <a:r>
+              <a:rPr lang="pt-PT" err="1">
+                <a:ea typeface="+mn-lt"/>
+                <a:cs typeface="+mn-lt"/>
+              </a:rPr>
+              <a:t>solved</a:t>
+            </a:r>
+            <a:r>
+              <a:rPr lang="pt-PT" dirty="0">
+                <a:ea typeface="+mn-lt"/>
+                <a:cs typeface="+mn-lt"/>
+              </a:rPr>
+              <a:t> </a:t>
+            </a:r>
+            <a:r>
+              <a:rPr lang="pt-PT" err="1">
+                <a:ea typeface="+mn-lt"/>
+                <a:cs typeface="+mn-lt"/>
+              </a:rPr>
+              <a:t>efficiently</a:t>
+            </a:r>
+            <a:r>
+              <a:rPr lang="pt-PT" dirty="0">
+                <a:ea typeface="+mn-lt"/>
+                <a:cs typeface="+mn-lt"/>
+              </a:rPr>
+              <a:t> </a:t>
+            </a:r>
+            <a:r>
+              <a:rPr lang="pt-PT" err="1">
+                <a:ea typeface="+mn-lt"/>
+                <a:cs typeface="+mn-lt"/>
+              </a:rPr>
+              <a:t>and</a:t>
+            </a:r>
+            <a:r>
+              <a:rPr lang="pt-PT" dirty="0">
+                <a:ea typeface="+mn-lt"/>
+                <a:cs typeface="+mn-lt"/>
+              </a:rPr>
+              <a:t> </a:t>
+            </a:r>
+            <a:r>
+              <a:rPr lang="pt-PT" err="1">
+                <a:ea typeface="+mn-lt"/>
+                <a:cs typeface="+mn-lt"/>
+              </a:rPr>
+              <a:t>effectively</a:t>
+            </a:r>
+            <a:r>
+              <a:rPr lang="pt-PT" dirty="0">
+                <a:ea typeface="+mn-lt"/>
+                <a:cs typeface="+mn-lt"/>
+              </a:rPr>
+              <a:t>.</a:t>
+            </a:r>
+          </a:p>
+          <a:p>
+            <a:endParaRPr lang="pt-PT" dirty="0"/>
+          </a:p>
+          <a:p>
+            <a:r>
+              <a:rPr lang="pt-PT" err="1"/>
+              <a:t>There</a:t>
+            </a:r>
+            <a:r>
+              <a:rPr lang="pt-PT" dirty="0"/>
+              <a:t> are </a:t>
+            </a:r>
+            <a:r>
+              <a:rPr lang="pt-PT" err="1"/>
+              <a:t>many</a:t>
+            </a:r>
+            <a:r>
+              <a:rPr lang="pt-PT" dirty="0"/>
+              <a:t> </a:t>
+            </a:r>
+            <a:r>
+              <a:rPr lang="pt-PT" err="1"/>
+              <a:t>different</a:t>
+            </a:r>
+            <a:r>
+              <a:rPr lang="pt-PT" dirty="0"/>
+              <a:t> </a:t>
+            </a:r>
+            <a:r>
+              <a:rPr lang="pt-PT" err="1"/>
+              <a:t>approaches</a:t>
+            </a:r>
+            <a:r>
+              <a:rPr lang="pt-PT" dirty="0"/>
+              <a:t>, </a:t>
+            </a:r>
+            <a:r>
+              <a:rPr lang="pt-PT" err="1"/>
+              <a:t>but</a:t>
+            </a:r>
+            <a:r>
+              <a:rPr lang="pt-PT" dirty="0"/>
+              <a:t> </a:t>
+            </a:r>
+            <a:r>
+              <a:rPr lang="pt-PT" err="1"/>
+              <a:t>one</a:t>
+            </a:r>
+            <a:r>
+              <a:rPr lang="pt-PT" dirty="0"/>
+              <a:t> </a:t>
+            </a:r>
+            <a:r>
+              <a:rPr lang="pt-PT" err="1"/>
+              <a:t>of</a:t>
+            </a:r>
+            <a:r>
+              <a:rPr lang="pt-PT" dirty="0"/>
+              <a:t> </a:t>
+            </a:r>
+            <a:r>
+              <a:rPr lang="pt-PT" err="1"/>
+              <a:t>the</a:t>
+            </a:r>
+            <a:r>
+              <a:rPr lang="pt-PT" dirty="0"/>
+              <a:t> </a:t>
+            </a:r>
+            <a:r>
+              <a:rPr lang="pt-PT" err="1"/>
+              <a:t>most</a:t>
+            </a:r>
+            <a:r>
+              <a:rPr lang="pt-PT" dirty="0"/>
+              <a:t> </a:t>
+            </a:r>
+            <a:r>
+              <a:rPr lang="pt-PT" err="1"/>
+              <a:t>effective</a:t>
+            </a:r>
+            <a:r>
+              <a:rPr lang="pt-PT" dirty="0"/>
+              <a:t> </a:t>
+            </a:r>
+            <a:r>
+              <a:rPr lang="pt-PT" err="1"/>
+              <a:t>is</a:t>
+            </a:r>
+            <a:r>
+              <a:rPr lang="pt-PT" dirty="0"/>
+              <a:t> </a:t>
+            </a:r>
+            <a:r>
+              <a:rPr lang="pt-PT" err="1"/>
+              <a:t>the</a:t>
+            </a:r>
+            <a:r>
+              <a:rPr lang="pt-PT" dirty="0"/>
+              <a:t> 8-step </a:t>
+            </a:r>
+            <a:r>
+              <a:rPr lang="pt-PT" err="1"/>
+              <a:t>problem-solving</a:t>
+            </a:r>
+            <a:r>
+              <a:rPr lang="pt-PT"/>
+              <a:t> process.</a:t>
+            </a:r>
+            <a:endParaRPr lang="pt-PT" dirty="0"/>
           </a:p>
         </p:txBody>
       </p:sp>
@@ -3743,7 +4323,7 @@
         <p:spPr/>
         <p:txBody>
           <a:bodyPr vert="horz" lIns="91440" tIns="45720" rIns="91440" bIns="45720" rtlCol="0" anchor="t">
-            <a:normAutofit/>
+            <a:normAutofit lnSpcReduction="10000"/>
           </a:bodyPr>
           <a:lstStyle/>
           <a:p>
@@ -4002,62 +4582,8 @@
                 <a:ea typeface="+mn-lt"/>
                 <a:cs typeface="+mn-lt"/>
               </a:rPr>
-              <a:t>Step 5: </a:t>
-            </a:r>
-            <a:r>
-              <a:rPr lang="pt-PT" dirty="0" err="1">
-                <a:solidFill>
-                  <a:srgbClr val="1F1F1F"/>
-                </a:solidFill>
-                <a:ea typeface="+mn-lt"/>
-                <a:cs typeface="+mn-lt"/>
-              </a:rPr>
-              <a:t>Test</a:t>
-            </a:r>
-            <a:r>
-              <a:rPr lang="pt-PT" dirty="0">
-                <a:solidFill>
-                  <a:srgbClr val="1F1F1F"/>
-                </a:solidFill>
-                <a:ea typeface="+mn-lt"/>
-                <a:cs typeface="+mn-lt"/>
-              </a:rPr>
-              <a:t> </a:t>
-            </a:r>
-            <a:r>
-              <a:rPr lang="pt-PT" dirty="0" err="1">
-                <a:solidFill>
-                  <a:srgbClr val="1F1F1F"/>
-                </a:solidFill>
-                <a:ea typeface="+mn-lt"/>
-                <a:cs typeface="+mn-lt"/>
-              </a:rPr>
-              <a:t>and</a:t>
-            </a:r>
-            <a:r>
-              <a:rPr lang="pt-PT" dirty="0">
-                <a:solidFill>
-                  <a:srgbClr val="1F1F1F"/>
-                </a:solidFill>
-                <a:ea typeface="+mn-lt"/>
-                <a:cs typeface="+mn-lt"/>
-              </a:rPr>
-              <a:t> </a:t>
-            </a:r>
-            <a:r>
-              <a:rPr lang="pt-PT" dirty="0" err="1">
-                <a:solidFill>
-                  <a:srgbClr val="1F1F1F"/>
-                </a:solidFill>
-                <a:ea typeface="+mn-lt"/>
-                <a:cs typeface="+mn-lt"/>
-              </a:rPr>
-              <a:t>Validate</a:t>
-            </a:r>
-            <a:endParaRPr lang="pt-PT" dirty="0" err="1">
-              <a:ea typeface="+mn-lt"/>
-              <a:cs typeface="+mn-lt"/>
-            </a:endParaRPr>
+              <a:t>----------------------------------</a:t>
+            </a:r>
           </a:p>
           <a:p>
             <a:pPr>
@@ -4072,7 +4598,7 @@
                 <a:ea typeface="+mn-lt"/>
                 <a:cs typeface="+mn-lt"/>
               </a:rPr>
-              <a:t>Step 6: </a:t>
+              <a:t>Step 5: </a:t>
             </a:r>
             <a:r>
               <a:rPr lang="pt-PT" dirty="0" err="1">
@@ -4082,8 +4608,14 @@
                 <a:ea typeface="+mn-lt"/>
                 <a:cs typeface="+mn-lt"/>
               </a:rPr>
-              <a:t>Iterate</a:t>
-            </a:r>
+              <a:t>Test</a:t>
+            </a:r>
+          </a:p>
+          <a:p>
+            <a:pPr>
+              <a:buFont typeface="Arial"/>
+              <a:buChar char="•"/>
+            </a:pPr>
             <a:r>
               <a:rPr lang="pt-PT" dirty="0">
                 <a:solidFill>
@@ -4092,27 +4624,7 @@
                 <a:ea typeface="+mn-lt"/>
                 <a:cs typeface="+mn-lt"/>
               </a:rPr>
-              <a:t> </a:t>
-            </a:r>
-            <a:r>
-              <a:rPr lang="pt-PT" dirty="0" err="1">
-                <a:solidFill>
-                  <a:srgbClr val="1F1F1F"/>
-                </a:solidFill>
-                <a:ea typeface="+mn-lt"/>
-                <a:cs typeface="+mn-lt"/>
-              </a:rPr>
-              <a:t>and</a:t>
-            </a:r>
-            <a:r>
-              <a:rPr lang="pt-PT" dirty="0">
-                <a:solidFill>
-                  <a:srgbClr val="1F1F1F"/>
-                </a:solidFill>
-                <a:ea typeface="+mn-lt"/>
-                <a:cs typeface="+mn-lt"/>
-              </a:rPr>
-              <a:t> </a:t>
+              <a:t>Step 6: </a:t>
             </a:r>
             <a:r>
               <a:rPr lang="pt-PT" dirty="0" err="1">
@@ -4164,40 +4676,6 @@
               </a:rPr>
               <a:t>Implement</a:t>
             </a:r>
-            <a:r>
-              <a:rPr lang="pt-PT" dirty="0">
-                <a:solidFill>
-                  <a:srgbClr val="1F1F1F"/>
-                </a:solidFill>
-                <a:ea typeface="+mn-lt"/>
-                <a:cs typeface="+mn-lt"/>
-              </a:rPr>
-              <a:t> </a:t>
-            </a:r>
-            <a:r>
-              <a:rPr lang="pt-PT" dirty="0" err="1">
-                <a:solidFill>
-                  <a:srgbClr val="1F1F1F"/>
-                </a:solidFill>
-                <a:ea typeface="+mn-lt"/>
-                <a:cs typeface="+mn-lt"/>
-              </a:rPr>
-              <a:t>and</a:t>
-            </a:r>
-            <a:r>
-              <a:rPr lang="pt-PT" dirty="0">
-                <a:solidFill>
-                  <a:srgbClr val="1F1F1F"/>
-                </a:solidFill>
-                <a:ea typeface="+mn-lt"/>
-                <a:cs typeface="+mn-lt"/>
-              </a:rPr>
-              <a:t> Monitor </a:t>
-            </a:r>
-            <a:endParaRPr lang="pt-PT" dirty="0">
-              <a:ea typeface="+mn-lt"/>
-              <a:cs typeface="+mn-lt"/>
-            </a:endParaRPr>
           </a:p>
           <a:p>
             <a:pPr>
@@ -4213,46 +4691,6 @@
                 <a:cs typeface="+mn-lt"/>
               </a:rPr>
               <a:t>Step 8: </a:t>
-            </a:r>
-            <a:r>
-              <a:rPr lang="pt-PT" dirty="0" err="1">
-                <a:solidFill>
-                  <a:srgbClr val="1F1F1F"/>
-                </a:solidFill>
-                <a:ea typeface="+mn-lt"/>
-                <a:cs typeface="+mn-lt"/>
-              </a:rPr>
-              <a:t>Reflect</a:t>
-            </a:r>
-            <a:r>
-              <a:rPr lang="pt-PT" dirty="0">
-                <a:solidFill>
-                  <a:srgbClr val="1F1F1F"/>
-                </a:solidFill>
-                <a:ea typeface="+mn-lt"/>
-                <a:cs typeface="+mn-lt"/>
-              </a:rPr>
-              <a:t> </a:t>
-            </a:r>
-            <a:r>
-              <a:rPr lang="pt-PT" dirty="0" err="1">
-                <a:solidFill>
-                  <a:srgbClr val="1F1F1F"/>
-                </a:solidFill>
-                <a:ea typeface="+mn-lt"/>
-                <a:cs typeface="+mn-lt"/>
-              </a:rPr>
-              <a:t>and</a:t>
-            </a:r>
-            <a:r>
-              <a:rPr lang="pt-PT" dirty="0">
-                <a:solidFill>
-                  <a:srgbClr val="1F1F1F"/>
-                </a:solidFill>
-                <a:ea typeface="+mn-lt"/>
-                <a:cs typeface="+mn-lt"/>
-              </a:rPr>
-              <a:t> </a:t>
             </a:r>
             <a:r>
               <a:rPr lang="pt-PT" dirty="0" err="1">

--- a/ingles/Apresentação.pptx
+++ b/ingles/Apresentação.pptx
@@ -12,9 +12,6 @@
     <p:sldId id="261" r:id="rId6"/>
     <p:sldId id="262" r:id="rId7"/>
     <p:sldId id="263" r:id="rId8"/>
-    <p:sldId id="264" r:id="rId9"/>
-    <p:sldId id="265" r:id="rId10"/>
-    <p:sldId id="266" r:id="rId11"/>
   </p:sldIdLst>
   <p:sldSz cx="12192000" cy="6858000"/>
   <p:notesSz cx="6858000" cy="9144000"/>
@@ -126,6 +123,7 @@
   <p1510:revLst>
     <p1510:client id="{50466A84-B016-8E2E-ED03-52892A9B5F5C}" v="436" dt="2024-12-04T16:36:50.493"/>
     <p1510:client id="{9B618B0C-20F5-2874-B772-63B7FA736773}" v="97" dt="2024-12-04T14:38:58.890"/>
+    <p1510:client id="{EF48EA08-D4D5-9958-D41A-1B1FB866786C}" v="49" dt="2024-12-05T11:58:47.154"/>
   </p1510:revLst>
 </p1510:revInfo>
 </file>
@@ -721,6 +719,45 @@
       </pc:sldChg>
     </pc:docChg>
   </pc:docChgLst>
+  <pc:docChgLst>
+    <pc:chgData name="Licínio Sousa - ALUNO PRT" userId="S::licinio.sousa.prt_a@msft.cesae.pt::fd9f3b33-ebf7-4650-93c0-079c04263e4d" providerId="AD" clId="Web-{EF48EA08-D4D5-9958-D41A-1B1FB866786C}"/>
+    <pc:docChg chg="modSld">
+      <pc:chgData name="Licínio Sousa - ALUNO PRT" userId="S::licinio.sousa.prt_a@msft.cesae.pt::fd9f3b33-ebf7-4650-93c0-079c04263e4d" providerId="AD" clId="Web-{EF48EA08-D4D5-9958-D41A-1B1FB866786C}" dt="2024-12-05T11:58:47.154" v="49" actId="20577"/>
+      <pc:docMkLst>
+        <pc:docMk/>
+      </pc:docMkLst>
+      <pc:sldChg chg="modSp">
+        <pc:chgData name="Licínio Sousa - ALUNO PRT" userId="S::licinio.sousa.prt_a@msft.cesae.pt::fd9f3b33-ebf7-4650-93c0-079c04263e4d" providerId="AD" clId="Web-{EF48EA08-D4D5-9958-D41A-1B1FB866786C}" dt="2024-12-05T11:58:47.154" v="49" actId="20577"/>
+        <pc:sldMkLst>
+          <pc:docMk/>
+          <pc:sldMk cId="573669488" sldId="257"/>
+        </pc:sldMkLst>
+        <pc:spChg chg="mod">
+          <ac:chgData name="Licínio Sousa - ALUNO PRT" userId="S::licinio.sousa.prt_a@msft.cesae.pt::fd9f3b33-ebf7-4650-93c0-079c04263e4d" providerId="AD" clId="Web-{EF48EA08-D4D5-9958-D41A-1B1FB866786C}" dt="2024-12-05T11:58:47.154" v="49" actId="20577"/>
+          <ac:spMkLst>
+            <pc:docMk/>
+            <pc:sldMk cId="573669488" sldId="257"/>
+            <ac:spMk id="3" creationId="{98AFFC47-2621-D7D0-C3A0-77269E994C26}"/>
+          </ac:spMkLst>
+        </pc:spChg>
+      </pc:sldChg>
+      <pc:sldChg chg="modSp">
+        <pc:chgData name="Licínio Sousa - ALUNO PRT" userId="S::licinio.sousa.prt_a@msft.cesae.pt::fd9f3b33-ebf7-4650-93c0-079c04263e4d" providerId="AD" clId="Web-{EF48EA08-D4D5-9958-D41A-1B1FB866786C}" dt="2024-12-05T11:28:46.655" v="27" actId="20577"/>
+        <pc:sldMkLst>
+          <pc:docMk/>
+          <pc:sldMk cId="3380307422" sldId="258"/>
+        </pc:sldMkLst>
+        <pc:spChg chg="mod">
+          <ac:chgData name="Licínio Sousa - ALUNO PRT" userId="S::licinio.sousa.prt_a@msft.cesae.pt::fd9f3b33-ebf7-4650-93c0-079c04263e4d" providerId="AD" clId="Web-{EF48EA08-D4D5-9958-D41A-1B1FB866786C}" dt="2024-12-05T11:28:46.655" v="27" actId="20577"/>
+          <ac:spMkLst>
+            <pc:docMk/>
+            <pc:sldMk cId="3380307422" sldId="258"/>
+            <ac:spMk id="3" creationId="{0AE2B4C7-5B60-8D08-2918-291FBB9DD20D}"/>
+          </ac:spMkLst>
+        </pc:spChg>
+      </pc:sldChg>
+    </pc:docChg>
+  </pc:docChgLst>
 </pc:chgInfo>
 </file>
 
@@ -853,7 +890,7 @@
           <a:p>
             <a:fld id="{E431C0BB-DC71-4713-A787-95011EDB8CA8}" type="datetimeFigureOut">
               <a:rPr lang="pt-PT" smtClean="0"/>
-              <a:t>04/12/2024</a:t>
+              <a:t>05/12/2024</a:t>
             </a:fld>
             <a:endParaRPr lang="pt-PT"/>
           </a:p>
@@ -895,7 +932,7 @@
           <a:p>
             <a:fld id="{15A16595-07AD-4646-803E-1CCE41789BEC}" type="slidenum">
               <a:rPr lang="pt-PT" smtClean="0"/>
-              <a:t>‹#›</a:t>
+              <a:t>‹nº›</a:t>
             </a:fld>
             <a:endParaRPr lang="pt-PT"/>
           </a:p>
@@ -1021,7 +1058,7 @@
           <a:p>
             <a:fld id="{E431C0BB-DC71-4713-A787-95011EDB8CA8}" type="datetimeFigureOut">
               <a:rPr lang="pt-PT" smtClean="0"/>
-              <a:t>04/12/2024</a:t>
+              <a:t>05/12/2024</a:t>
             </a:fld>
             <a:endParaRPr lang="pt-PT"/>
           </a:p>
@@ -1063,7 +1100,7 @@
           <a:p>
             <a:fld id="{15A16595-07AD-4646-803E-1CCE41789BEC}" type="slidenum">
               <a:rPr lang="pt-PT" smtClean="0"/>
-              <a:t>‹#›</a:t>
+              <a:t>‹nº›</a:t>
             </a:fld>
             <a:endParaRPr lang="pt-PT"/>
           </a:p>
@@ -1199,7 +1236,7 @@
           <a:p>
             <a:fld id="{E431C0BB-DC71-4713-A787-95011EDB8CA8}" type="datetimeFigureOut">
               <a:rPr lang="pt-PT" smtClean="0"/>
-              <a:t>04/12/2024</a:t>
+              <a:t>05/12/2024</a:t>
             </a:fld>
             <a:endParaRPr lang="pt-PT"/>
           </a:p>
@@ -1241,7 +1278,7 @@
           <a:p>
             <a:fld id="{15A16595-07AD-4646-803E-1CCE41789BEC}" type="slidenum">
               <a:rPr lang="pt-PT" smtClean="0"/>
-              <a:t>‹#›</a:t>
+              <a:t>‹nº›</a:t>
             </a:fld>
             <a:endParaRPr lang="pt-PT"/>
           </a:p>
@@ -1367,7 +1404,7 @@
           <a:p>
             <a:fld id="{E431C0BB-DC71-4713-A787-95011EDB8CA8}" type="datetimeFigureOut">
               <a:rPr lang="pt-PT" smtClean="0"/>
-              <a:t>04/12/2024</a:t>
+              <a:t>05/12/2024</a:t>
             </a:fld>
             <a:endParaRPr lang="pt-PT"/>
           </a:p>
@@ -1409,7 +1446,7 @@
           <a:p>
             <a:fld id="{15A16595-07AD-4646-803E-1CCE41789BEC}" type="slidenum">
               <a:rPr lang="pt-PT" smtClean="0"/>
-              <a:t>‹#›</a:t>
+              <a:t>‹nº›</a:t>
             </a:fld>
             <a:endParaRPr lang="pt-PT"/>
           </a:p>
@@ -1612,7 +1649,7 @@
           <a:p>
             <a:fld id="{E431C0BB-DC71-4713-A787-95011EDB8CA8}" type="datetimeFigureOut">
               <a:rPr lang="pt-PT" smtClean="0"/>
-              <a:t>04/12/2024</a:t>
+              <a:t>05/12/2024</a:t>
             </a:fld>
             <a:endParaRPr lang="pt-PT"/>
           </a:p>
@@ -1654,7 +1691,7 @@
           <a:p>
             <a:fld id="{15A16595-07AD-4646-803E-1CCE41789BEC}" type="slidenum">
               <a:rPr lang="pt-PT" smtClean="0"/>
-              <a:t>‹#›</a:t>
+              <a:t>‹nº›</a:t>
             </a:fld>
             <a:endParaRPr lang="pt-PT"/>
           </a:p>
@@ -1841,7 +1878,7 @@
           <a:p>
             <a:fld id="{E431C0BB-DC71-4713-A787-95011EDB8CA8}" type="datetimeFigureOut">
               <a:rPr lang="pt-PT" smtClean="0"/>
-              <a:t>04/12/2024</a:t>
+              <a:t>05/12/2024</a:t>
             </a:fld>
             <a:endParaRPr lang="pt-PT"/>
           </a:p>
@@ -1883,7 +1920,7 @@
           <a:p>
             <a:fld id="{15A16595-07AD-4646-803E-1CCE41789BEC}" type="slidenum">
               <a:rPr lang="pt-PT" smtClean="0"/>
-              <a:t>‹#›</a:t>
+              <a:t>‹nº›</a:t>
             </a:fld>
             <a:endParaRPr lang="pt-PT"/>
           </a:p>
@@ -2205,7 +2242,7 @@
           <a:p>
             <a:fld id="{E431C0BB-DC71-4713-A787-95011EDB8CA8}" type="datetimeFigureOut">
               <a:rPr lang="pt-PT" smtClean="0"/>
-              <a:t>04/12/2024</a:t>
+              <a:t>05/12/2024</a:t>
             </a:fld>
             <a:endParaRPr lang="pt-PT"/>
           </a:p>
@@ -2247,7 +2284,7 @@
           <a:p>
             <a:fld id="{15A16595-07AD-4646-803E-1CCE41789BEC}" type="slidenum">
               <a:rPr lang="pt-PT" smtClean="0"/>
-              <a:t>‹#›</a:t>
+              <a:t>‹nº›</a:t>
             </a:fld>
             <a:endParaRPr lang="pt-PT"/>
           </a:p>
@@ -2322,7 +2359,7 @@
           <a:p>
             <a:fld id="{E431C0BB-DC71-4713-A787-95011EDB8CA8}" type="datetimeFigureOut">
               <a:rPr lang="pt-PT" smtClean="0"/>
-              <a:t>04/12/2024</a:t>
+              <a:t>05/12/2024</a:t>
             </a:fld>
             <a:endParaRPr lang="pt-PT"/>
           </a:p>
@@ -2364,7 +2401,7 @@
           <a:p>
             <a:fld id="{15A16595-07AD-4646-803E-1CCE41789BEC}" type="slidenum">
               <a:rPr lang="pt-PT" smtClean="0"/>
-              <a:t>‹#›</a:t>
+              <a:t>‹nº›</a:t>
             </a:fld>
             <a:endParaRPr lang="pt-PT"/>
           </a:p>
@@ -2417,7 +2454,7 @@
           <a:p>
             <a:fld id="{E431C0BB-DC71-4713-A787-95011EDB8CA8}" type="datetimeFigureOut">
               <a:rPr lang="pt-PT" smtClean="0"/>
-              <a:t>04/12/2024</a:t>
+              <a:t>05/12/2024</a:t>
             </a:fld>
             <a:endParaRPr lang="pt-PT"/>
           </a:p>
@@ -2459,7 +2496,7 @@
           <a:p>
             <a:fld id="{15A16595-07AD-4646-803E-1CCE41789BEC}" type="slidenum">
               <a:rPr lang="pt-PT" smtClean="0"/>
-              <a:t>‹#›</a:t>
+              <a:t>‹nº›</a:t>
             </a:fld>
             <a:endParaRPr lang="pt-PT"/>
           </a:p>
@@ -2692,7 +2729,7 @@
           <a:p>
             <a:fld id="{E431C0BB-DC71-4713-A787-95011EDB8CA8}" type="datetimeFigureOut">
               <a:rPr lang="pt-PT" smtClean="0"/>
-              <a:t>04/12/2024</a:t>
+              <a:t>05/12/2024</a:t>
             </a:fld>
             <a:endParaRPr lang="pt-PT"/>
           </a:p>
@@ -2734,7 +2771,7 @@
           <a:p>
             <a:fld id="{15A16595-07AD-4646-803E-1CCE41789BEC}" type="slidenum">
               <a:rPr lang="pt-PT" smtClean="0"/>
-              <a:t>‹#›</a:t>
+              <a:t>‹nº›</a:t>
             </a:fld>
             <a:endParaRPr lang="pt-PT"/>
           </a:p>
@@ -2944,7 +2981,7 @@
           <a:p>
             <a:fld id="{E431C0BB-DC71-4713-A787-95011EDB8CA8}" type="datetimeFigureOut">
               <a:rPr lang="pt-PT" smtClean="0"/>
-              <a:t>04/12/2024</a:t>
+              <a:t>05/12/2024</a:t>
             </a:fld>
             <a:endParaRPr lang="pt-PT"/>
           </a:p>
@@ -2986,7 +3023,7 @@
           <a:p>
             <a:fld id="{15A16595-07AD-4646-803E-1CCE41789BEC}" type="slidenum">
               <a:rPr lang="pt-PT" smtClean="0"/>
-              <a:t>‹#›</a:t>
+              <a:t>‹nº›</a:t>
             </a:fld>
             <a:endParaRPr lang="pt-PT"/>
           </a:p>
@@ -3155,7 +3192,7 @@
           <a:p>
             <a:fld id="{E431C0BB-DC71-4713-A787-95011EDB8CA8}" type="datetimeFigureOut">
               <a:rPr lang="pt-PT" smtClean="0"/>
-              <a:t>04/12/2024</a:t>
+              <a:t>05/12/2024</a:t>
             </a:fld>
             <a:endParaRPr lang="pt-PT"/>
           </a:p>
@@ -3233,7 +3270,7 @@
           <a:p>
             <a:fld id="{15A16595-07AD-4646-803E-1CCE41789BEC}" type="slidenum">
               <a:rPr lang="pt-PT" smtClean="0"/>
-              <a:t>‹#›</a:t>
+              <a:t>‹nº›</a:t>
             </a:fld>
             <a:endParaRPr lang="pt-PT"/>
           </a:p>
@@ -3642,10 +3679,550 @@
         </p:nvSpPr>
         <p:spPr/>
         <p:txBody>
-          <a:bodyPr/>
-          <a:lstStyle/>
-          <a:p>
-            <a:endParaRPr lang="pt-PT"/>
+          <a:bodyPr vert="horz" lIns="91440" tIns="45720" rIns="91440" bIns="45720" rtlCol="0" anchor="t">
+            <a:normAutofit/>
+          </a:bodyPr>
+          <a:lstStyle/>
+          <a:p>
+            <a:r>
+              <a:rPr lang="pt-PT" dirty="0" err="1">
+                <a:ea typeface="+mn-lt"/>
+                <a:cs typeface="+mn-lt"/>
+              </a:rPr>
+              <a:t>There</a:t>
+            </a:r>
+            <a:r>
+              <a:rPr lang="pt-PT" dirty="0">
+                <a:ea typeface="+mn-lt"/>
+                <a:cs typeface="+mn-lt"/>
+              </a:rPr>
+              <a:t> are </a:t>
+            </a:r>
+            <a:r>
+              <a:rPr lang="pt-PT" dirty="0" err="1">
+                <a:ea typeface="+mn-lt"/>
+                <a:cs typeface="+mn-lt"/>
+              </a:rPr>
+              <a:t>many</a:t>
+            </a:r>
+            <a:r>
+              <a:rPr lang="pt-PT" dirty="0">
+                <a:ea typeface="+mn-lt"/>
+                <a:cs typeface="+mn-lt"/>
+              </a:rPr>
+              <a:t> </a:t>
+            </a:r>
+            <a:r>
+              <a:rPr lang="pt-PT" dirty="0" err="1">
+                <a:ea typeface="+mn-lt"/>
+                <a:cs typeface="+mn-lt"/>
+              </a:rPr>
+              <a:t>different</a:t>
+            </a:r>
+            <a:r>
+              <a:rPr lang="pt-PT" dirty="0">
+                <a:ea typeface="+mn-lt"/>
+                <a:cs typeface="+mn-lt"/>
+              </a:rPr>
+              <a:t> </a:t>
+            </a:r>
+            <a:r>
+              <a:rPr lang="pt-PT" dirty="0" err="1">
+                <a:ea typeface="+mn-lt"/>
+                <a:cs typeface="+mn-lt"/>
+              </a:rPr>
+              <a:t>approaches</a:t>
+            </a:r>
+            <a:r>
+              <a:rPr lang="pt-PT" dirty="0">
+                <a:ea typeface="+mn-lt"/>
+                <a:cs typeface="+mn-lt"/>
+              </a:rPr>
+              <a:t> to </a:t>
+            </a:r>
+            <a:r>
+              <a:rPr lang="pt-PT" dirty="0" err="1">
+                <a:ea typeface="+mn-lt"/>
+                <a:cs typeface="+mn-lt"/>
+              </a:rPr>
+              <a:t>problem</a:t>
+            </a:r>
+            <a:r>
+              <a:rPr lang="pt-PT" dirty="0">
+                <a:ea typeface="+mn-lt"/>
+                <a:cs typeface="+mn-lt"/>
+              </a:rPr>
+              <a:t> </a:t>
+            </a:r>
+            <a:r>
+              <a:rPr lang="pt-PT" dirty="0" err="1">
+                <a:ea typeface="+mn-lt"/>
+                <a:cs typeface="+mn-lt"/>
+              </a:rPr>
+              <a:t>solving</a:t>
+            </a:r>
+            <a:r>
+              <a:rPr lang="pt-PT" dirty="0">
+                <a:ea typeface="+mn-lt"/>
+                <a:cs typeface="+mn-lt"/>
+              </a:rPr>
+              <a:t>, </a:t>
+            </a:r>
+            <a:r>
+              <a:rPr lang="pt-PT" dirty="0" err="1">
+                <a:ea typeface="+mn-lt"/>
+                <a:cs typeface="+mn-lt"/>
+              </a:rPr>
+              <a:t>but</a:t>
+            </a:r>
+            <a:r>
+              <a:rPr lang="pt-PT" dirty="0">
+                <a:ea typeface="+mn-lt"/>
+                <a:cs typeface="+mn-lt"/>
+              </a:rPr>
+              <a:t> </a:t>
+            </a:r>
+            <a:r>
+              <a:rPr lang="pt-PT" dirty="0" err="1">
+                <a:ea typeface="+mn-lt"/>
+                <a:cs typeface="+mn-lt"/>
+              </a:rPr>
+              <a:t>one</a:t>
+            </a:r>
+            <a:r>
+              <a:rPr lang="pt-PT" dirty="0">
+                <a:ea typeface="+mn-lt"/>
+                <a:cs typeface="+mn-lt"/>
+              </a:rPr>
+              <a:t> </a:t>
+            </a:r>
+            <a:r>
+              <a:rPr lang="pt-PT" dirty="0" err="1">
+                <a:ea typeface="+mn-lt"/>
+                <a:cs typeface="+mn-lt"/>
+              </a:rPr>
+              <a:t>of</a:t>
+            </a:r>
+            <a:r>
+              <a:rPr lang="pt-PT" dirty="0">
+                <a:ea typeface="+mn-lt"/>
+                <a:cs typeface="+mn-lt"/>
+              </a:rPr>
+              <a:t> </a:t>
+            </a:r>
+            <a:r>
+              <a:rPr lang="pt-PT" dirty="0" err="1">
+                <a:ea typeface="+mn-lt"/>
+                <a:cs typeface="+mn-lt"/>
+              </a:rPr>
+              <a:t>the</a:t>
+            </a:r>
+            <a:r>
+              <a:rPr lang="pt-PT" dirty="0">
+                <a:ea typeface="+mn-lt"/>
+                <a:cs typeface="+mn-lt"/>
+              </a:rPr>
+              <a:t> </a:t>
+            </a:r>
+            <a:r>
+              <a:rPr lang="pt-PT" dirty="0" err="1">
+                <a:ea typeface="+mn-lt"/>
+                <a:cs typeface="+mn-lt"/>
+              </a:rPr>
+              <a:t>most</a:t>
+            </a:r>
+            <a:r>
+              <a:rPr lang="pt-PT" dirty="0">
+                <a:ea typeface="+mn-lt"/>
+                <a:cs typeface="+mn-lt"/>
+              </a:rPr>
+              <a:t> </a:t>
+            </a:r>
+            <a:r>
+              <a:rPr lang="pt-PT" dirty="0" err="1">
+                <a:ea typeface="+mn-lt"/>
+                <a:cs typeface="+mn-lt"/>
+              </a:rPr>
+              <a:t>effective</a:t>
+            </a:r>
+            <a:r>
+              <a:rPr lang="pt-PT" dirty="0">
+                <a:ea typeface="+mn-lt"/>
+                <a:cs typeface="+mn-lt"/>
+              </a:rPr>
+              <a:t> </a:t>
+            </a:r>
+            <a:r>
+              <a:rPr lang="pt-PT" dirty="0" err="1">
+                <a:ea typeface="+mn-lt"/>
+                <a:cs typeface="+mn-lt"/>
+              </a:rPr>
+              <a:t>is</a:t>
+            </a:r>
+            <a:r>
+              <a:rPr lang="pt-PT" dirty="0">
+                <a:ea typeface="+mn-lt"/>
+                <a:cs typeface="+mn-lt"/>
+              </a:rPr>
+              <a:t> </a:t>
+            </a:r>
+            <a:r>
+              <a:rPr lang="pt-PT" dirty="0" err="1">
+                <a:ea typeface="+mn-lt"/>
+                <a:cs typeface="+mn-lt"/>
+              </a:rPr>
+              <a:t>the</a:t>
+            </a:r>
+            <a:r>
+              <a:rPr lang="pt-PT" dirty="0">
+                <a:ea typeface="+mn-lt"/>
+                <a:cs typeface="+mn-lt"/>
+              </a:rPr>
+              <a:t> 8-step </a:t>
+            </a:r>
+            <a:r>
+              <a:rPr lang="pt-PT" dirty="0" err="1">
+                <a:ea typeface="+mn-lt"/>
+                <a:cs typeface="+mn-lt"/>
+              </a:rPr>
+              <a:t>problem-solving</a:t>
+            </a:r>
+            <a:r>
+              <a:rPr lang="pt-PT" dirty="0">
+                <a:ea typeface="+mn-lt"/>
+                <a:cs typeface="+mn-lt"/>
+              </a:rPr>
+              <a:t> </a:t>
+            </a:r>
+            <a:r>
+              <a:rPr lang="pt-PT">
+                <a:ea typeface="+mn-lt"/>
+                <a:cs typeface="+mn-lt"/>
+              </a:rPr>
+              <a:t>process.</a:t>
+            </a:r>
+          </a:p>
+          <a:p>
+            <a:r>
+              <a:rPr lang="pt-PT" err="1">
+                <a:ea typeface="+mn-lt"/>
+                <a:cs typeface="+mn-lt"/>
+              </a:rPr>
+              <a:t>This</a:t>
+            </a:r>
+            <a:r>
+              <a:rPr lang="pt-PT" dirty="0">
+                <a:ea typeface="+mn-lt"/>
+                <a:cs typeface="+mn-lt"/>
+              </a:rPr>
+              <a:t> </a:t>
+            </a:r>
+            <a:r>
+              <a:rPr lang="pt-PT" err="1">
+                <a:ea typeface="+mn-lt"/>
+                <a:cs typeface="+mn-lt"/>
+              </a:rPr>
+              <a:t>process</a:t>
+            </a:r>
+            <a:r>
+              <a:rPr lang="pt-PT" dirty="0">
+                <a:ea typeface="+mn-lt"/>
+                <a:cs typeface="+mn-lt"/>
+              </a:rPr>
+              <a:t> </a:t>
+            </a:r>
+            <a:r>
+              <a:rPr lang="pt-PT" err="1">
+                <a:ea typeface="+mn-lt"/>
+                <a:cs typeface="+mn-lt"/>
+              </a:rPr>
+              <a:t>is</a:t>
+            </a:r>
+            <a:r>
+              <a:rPr lang="pt-PT" dirty="0">
+                <a:ea typeface="+mn-lt"/>
+                <a:cs typeface="+mn-lt"/>
+              </a:rPr>
+              <a:t> </a:t>
+            </a:r>
+            <a:r>
+              <a:rPr lang="pt-PT" err="1">
+                <a:ea typeface="+mn-lt"/>
+                <a:cs typeface="+mn-lt"/>
+              </a:rPr>
+              <a:t>structured</a:t>
+            </a:r>
+            <a:r>
+              <a:rPr lang="pt-PT" dirty="0">
+                <a:ea typeface="+mn-lt"/>
+                <a:cs typeface="+mn-lt"/>
+              </a:rPr>
+              <a:t> </a:t>
+            </a:r>
+            <a:r>
+              <a:rPr lang="pt-PT" err="1">
+                <a:ea typeface="+mn-lt"/>
+                <a:cs typeface="+mn-lt"/>
+              </a:rPr>
+              <a:t>and</a:t>
+            </a:r>
+            <a:r>
+              <a:rPr lang="pt-PT" dirty="0">
+                <a:ea typeface="+mn-lt"/>
+                <a:cs typeface="+mn-lt"/>
+              </a:rPr>
+              <a:t> </a:t>
+            </a:r>
+            <a:r>
+              <a:rPr lang="pt-PT" err="1">
+                <a:ea typeface="+mn-lt"/>
+                <a:cs typeface="+mn-lt"/>
+              </a:rPr>
+              <a:t>systematic</a:t>
+            </a:r>
+            <a:r>
+              <a:rPr lang="pt-PT" dirty="0">
+                <a:ea typeface="+mn-lt"/>
+                <a:cs typeface="+mn-lt"/>
+              </a:rPr>
+              <a:t>, </a:t>
+            </a:r>
+            <a:r>
+              <a:rPr lang="pt-PT" err="1">
+                <a:ea typeface="+mn-lt"/>
+                <a:cs typeface="+mn-lt"/>
+              </a:rPr>
+              <a:t>which</a:t>
+            </a:r>
+            <a:r>
+              <a:rPr lang="pt-PT" dirty="0">
+                <a:ea typeface="+mn-lt"/>
+                <a:cs typeface="+mn-lt"/>
+              </a:rPr>
+              <a:t> </a:t>
+            </a:r>
+            <a:r>
+              <a:rPr lang="pt-PT" err="1">
+                <a:ea typeface="+mn-lt"/>
+                <a:cs typeface="+mn-lt"/>
+              </a:rPr>
+              <a:t>helps</a:t>
+            </a:r>
+            <a:r>
+              <a:rPr lang="pt-PT" dirty="0">
+                <a:ea typeface="+mn-lt"/>
+                <a:cs typeface="+mn-lt"/>
+              </a:rPr>
+              <a:t> to </a:t>
+            </a:r>
+            <a:r>
+              <a:rPr lang="pt-PT" err="1">
+                <a:ea typeface="+mn-lt"/>
+                <a:cs typeface="+mn-lt"/>
+              </a:rPr>
+              <a:t>ensure</a:t>
+            </a:r>
+            <a:r>
+              <a:rPr lang="pt-PT" dirty="0">
+                <a:ea typeface="+mn-lt"/>
+                <a:cs typeface="+mn-lt"/>
+              </a:rPr>
+              <a:t> </a:t>
+            </a:r>
+            <a:r>
+              <a:rPr lang="pt-PT" err="1">
+                <a:ea typeface="+mn-lt"/>
+                <a:cs typeface="+mn-lt"/>
+              </a:rPr>
+              <a:t>that</a:t>
+            </a:r>
+            <a:r>
+              <a:rPr lang="pt-PT" dirty="0">
+                <a:ea typeface="+mn-lt"/>
+                <a:cs typeface="+mn-lt"/>
+              </a:rPr>
+              <a:t> </a:t>
+            </a:r>
+            <a:r>
+              <a:rPr lang="pt-PT" err="1">
+                <a:ea typeface="+mn-lt"/>
+                <a:cs typeface="+mn-lt"/>
+              </a:rPr>
+              <a:t>problems</a:t>
+            </a:r>
+            <a:r>
+              <a:rPr lang="pt-PT" dirty="0">
+                <a:ea typeface="+mn-lt"/>
+                <a:cs typeface="+mn-lt"/>
+              </a:rPr>
+              <a:t> are </a:t>
+            </a:r>
+            <a:r>
+              <a:rPr lang="pt-PT" err="1">
+                <a:ea typeface="+mn-lt"/>
+                <a:cs typeface="+mn-lt"/>
+              </a:rPr>
+              <a:t>solved</a:t>
+            </a:r>
+            <a:r>
+              <a:rPr lang="pt-PT" dirty="0">
+                <a:ea typeface="+mn-lt"/>
+                <a:cs typeface="+mn-lt"/>
+              </a:rPr>
+              <a:t> </a:t>
+            </a:r>
+            <a:r>
+              <a:rPr lang="pt-PT" err="1">
+                <a:ea typeface="+mn-lt"/>
+                <a:cs typeface="+mn-lt"/>
+              </a:rPr>
+              <a:t>efficiently</a:t>
+            </a:r>
+            <a:r>
+              <a:rPr lang="pt-PT" dirty="0">
+                <a:ea typeface="+mn-lt"/>
+                <a:cs typeface="+mn-lt"/>
+              </a:rPr>
+              <a:t> </a:t>
+            </a:r>
+            <a:r>
+              <a:rPr lang="pt-PT" err="1">
+                <a:ea typeface="+mn-lt"/>
+                <a:cs typeface="+mn-lt"/>
+              </a:rPr>
+              <a:t>and</a:t>
+            </a:r>
+            <a:r>
+              <a:rPr lang="pt-PT" dirty="0">
+                <a:ea typeface="+mn-lt"/>
+                <a:cs typeface="+mn-lt"/>
+              </a:rPr>
+              <a:t> </a:t>
+            </a:r>
+            <a:r>
+              <a:rPr lang="pt-PT" err="1">
+                <a:ea typeface="+mn-lt"/>
+                <a:cs typeface="+mn-lt"/>
+              </a:rPr>
+              <a:t>effectively</a:t>
+            </a:r>
+            <a:r>
+              <a:rPr lang="pt-PT" dirty="0">
+                <a:ea typeface="+mn-lt"/>
+                <a:cs typeface="+mn-lt"/>
+              </a:rPr>
+              <a:t>.</a:t>
+            </a:r>
+          </a:p>
+          <a:p>
+            <a:endParaRPr lang="pt-PT" dirty="0"/>
+          </a:p>
+          <a:p>
+            <a:r>
+              <a:rPr lang="pt-PT" err="1"/>
+              <a:t>There</a:t>
+            </a:r>
+            <a:r>
+              <a:rPr lang="pt-PT" dirty="0"/>
+              <a:t> are </a:t>
+            </a:r>
+            <a:r>
+              <a:rPr lang="pt-PT" err="1"/>
+              <a:t>many</a:t>
+            </a:r>
+            <a:r>
+              <a:rPr lang="pt-PT" dirty="0"/>
+              <a:t> </a:t>
+            </a:r>
+            <a:r>
+              <a:rPr lang="pt-PT" err="1"/>
+              <a:t>different</a:t>
+            </a:r>
+            <a:r>
+              <a:rPr lang="pt-PT" dirty="0"/>
+              <a:t> </a:t>
+            </a:r>
+            <a:r>
+              <a:rPr lang="pt-PT" err="1"/>
+              <a:t>approaches</a:t>
+            </a:r>
+            <a:r>
+              <a:rPr lang="pt-PT" dirty="0"/>
+              <a:t>, </a:t>
+            </a:r>
+            <a:r>
+              <a:rPr lang="pt-PT" err="1"/>
+              <a:t>but</a:t>
+            </a:r>
+            <a:r>
+              <a:rPr lang="pt-PT" dirty="0"/>
+              <a:t> </a:t>
+            </a:r>
+            <a:r>
+              <a:rPr lang="pt-PT" err="1"/>
+              <a:t>one</a:t>
+            </a:r>
+            <a:r>
+              <a:rPr lang="pt-PT" dirty="0"/>
+              <a:t> </a:t>
+            </a:r>
+            <a:r>
+              <a:rPr lang="pt-PT" err="1"/>
+              <a:t>of</a:t>
+            </a:r>
+            <a:r>
+              <a:rPr lang="pt-PT" dirty="0"/>
+              <a:t> </a:t>
+            </a:r>
+            <a:r>
+              <a:rPr lang="pt-PT" err="1"/>
+              <a:t>the</a:t>
+            </a:r>
+            <a:r>
+              <a:rPr lang="pt-PT" dirty="0"/>
+              <a:t> </a:t>
+            </a:r>
+            <a:r>
+              <a:rPr lang="pt-PT" err="1"/>
+              <a:t>most</a:t>
+            </a:r>
+            <a:r>
+              <a:rPr lang="pt-PT" dirty="0"/>
+              <a:t> </a:t>
+            </a:r>
+            <a:r>
+              <a:rPr lang="pt-PT" err="1"/>
+              <a:t>effective</a:t>
+            </a:r>
+            <a:r>
+              <a:rPr lang="pt-PT" dirty="0"/>
+              <a:t> </a:t>
+            </a:r>
+            <a:r>
+              <a:rPr lang="pt-PT" err="1"/>
+              <a:t>is</a:t>
+            </a:r>
+            <a:r>
+              <a:rPr lang="pt-PT" dirty="0"/>
+              <a:t> </a:t>
+            </a:r>
+            <a:r>
+              <a:rPr lang="pt-PT" err="1"/>
+              <a:t>the</a:t>
+            </a:r>
+            <a:r>
+              <a:rPr lang="pt-PT" dirty="0"/>
+              <a:t> 8-step </a:t>
+            </a:r>
+            <a:r>
+              <a:rPr lang="pt-PT" err="1"/>
+              <a:t>problem-solving</a:t>
+            </a:r>
+            <a:r>
+              <a:rPr lang="pt-PT"/>
+              <a:t> process.</a:t>
+            </a:r>
+            <a:endParaRPr lang="pt-PT" dirty="0"/>
           </a:p>
         </p:txBody>
       </p:sp>
@@ -3653,176 +4230,6 @@
     <p:extLst>
       <p:ext uri="{BB962C8B-B14F-4D97-AF65-F5344CB8AC3E}">
         <p14:creationId xmlns:p14="http://schemas.microsoft.com/office/powerpoint/2010/main" val="573669488"/>
-      </p:ext>
-    </p:extLst>
-  </p:cSld>
-  <p:clrMapOvr>
-    <a:masterClrMapping/>
-  </p:clrMapOvr>
-</p:sld>
-</file>
-
-<file path=ppt/slides/slide10.xml><?xml version="1.0" encoding="utf-8"?>
-<p:sld xmlns:a="http://schemas.openxmlformats.org/drawingml/2006/main" xmlns:r="http://schemas.openxmlformats.org/officeDocument/2006/relationships" xmlns:p="http://schemas.openxmlformats.org/presentationml/2006/main">
-  <p:cSld>
-    <p:spTree>
-      <p:nvGrpSpPr>
-        <p:cNvPr id="1" name=""/>
-        <p:cNvGrpSpPr/>
-        <p:nvPr/>
-      </p:nvGrpSpPr>
-      <p:grpSpPr>
-        <a:xfrm>
-          <a:off x="0" y="0"/>
-          <a:ext cx="0" cy="0"/>
-          <a:chOff x="0" y="0"/>
-          <a:chExt cx="0" cy="0"/>
-        </a:xfrm>
-      </p:grpSpPr>
-      <p:sp>
-        <p:nvSpPr>
-          <p:cNvPr id="2" name="Title 1">
-            <a:extLst>
-              <a:ext uri="{FF2B5EF4-FFF2-40B4-BE49-F238E27FC236}">
-                <a16:creationId xmlns:a16="http://schemas.microsoft.com/office/drawing/2014/main" id="{90B8BCA2-0804-EC48-9A27-0F372F7F5FCD}"/>
-              </a:ext>
-            </a:extLst>
-          </p:cNvPr>
-          <p:cNvSpPr>
-            <a:spLocks noGrp="1"/>
-          </p:cNvSpPr>
-          <p:nvPr>
-            <p:ph type="title"/>
-          </p:nvPr>
-        </p:nvSpPr>
-        <p:spPr/>
-        <p:txBody>
-          <a:bodyPr/>
-          <a:lstStyle/>
-          <a:p>
-            <a:r>
-              <a:rPr lang="en-GB" dirty="0"/>
-              <a:t>Reflect and Document</a:t>
-            </a:r>
-          </a:p>
-        </p:txBody>
-      </p:sp>
-      <p:sp>
-        <p:nvSpPr>
-          <p:cNvPr id="3" name="Text Placeholder 2">
-            <a:extLst>
-              <a:ext uri="{FF2B5EF4-FFF2-40B4-BE49-F238E27FC236}">
-                <a16:creationId xmlns:a16="http://schemas.microsoft.com/office/drawing/2014/main" id="{C3F07A90-FCB4-DFFE-3FAB-8427993E9371}"/>
-              </a:ext>
-            </a:extLst>
-          </p:cNvPr>
-          <p:cNvSpPr>
-            <a:spLocks noGrp="1"/>
-          </p:cNvSpPr>
-          <p:nvPr>
-            <p:ph type="body" idx="1"/>
-          </p:nvPr>
-        </p:nvSpPr>
-        <p:spPr/>
-        <p:txBody>
-          <a:bodyPr/>
-          <a:lstStyle/>
-          <a:p>
-            <a:r>
-              <a:rPr lang="en-GB" dirty="0"/>
-              <a:t>Learn from the Process:</a:t>
-            </a:r>
-          </a:p>
-        </p:txBody>
-      </p:sp>
-      <p:sp>
-        <p:nvSpPr>
-          <p:cNvPr id="4" name="Content Placeholder 3">
-            <a:extLst>
-              <a:ext uri="{FF2B5EF4-FFF2-40B4-BE49-F238E27FC236}">
-                <a16:creationId xmlns:a16="http://schemas.microsoft.com/office/drawing/2014/main" id="{63D9B31B-DBAA-1E31-911E-0A6361BBCFC0}"/>
-              </a:ext>
-            </a:extLst>
-          </p:cNvPr>
-          <p:cNvSpPr>
-            <a:spLocks noGrp="1"/>
-          </p:cNvSpPr>
-          <p:nvPr>
-            <p:ph sz="half" idx="2"/>
-          </p:nvPr>
-        </p:nvSpPr>
-        <p:spPr/>
-        <p:txBody>
-          <a:bodyPr/>
-          <a:lstStyle/>
-          <a:p>
-            <a:r>
-              <a:rPr lang="en-GB" dirty="0"/>
-              <a:t>Evaluate what worked well and what could be improved for future projects.</a:t>
-            </a:r>
-          </a:p>
-        </p:txBody>
-      </p:sp>
-      <p:sp>
-        <p:nvSpPr>
-          <p:cNvPr id="5" name="Text Placeholder 4">
-            <a:extLst>
-              <a:ext uri="{FF2B5EF4-FFF2-40B4-BE49-F238E27FC236}">
-                <a16:creationId xmlns:a16="http://schemas.microsoft.com/office/drawing/2014/main" id="{ABB2BE4B-6F83-7976-E6DB-6E29731BC5D2}"/>
-              </a:ext>
-            </a:extLst>
-          </p:cNvPr>
-          <p:cNvSpPr>
-            <a:spLocks noGrp="1"/>
-          </p:cNvSpPr>
-          <p:nvPr>
-            <p:ph type="body" sz="quarter" idx="3"/>
-          </p:nvPr>
-        </p:nvSpPr>
-        <p:spPr/>
-        <p:txBody>
-          <a:bodyPr/>
-          <a:lstStyle/>
-          <a:p>
-            <a:r>
-              <a:rPr lang="en-GB" dirty="0"/>
-              <a:t>Document the Solution:</a:t>
-            </a:r>
-          </a:p>
-        </p:txBody>
-      </p:sp>
-      <p:sp>
-        <p:nvSpPr>
-          <p:cNvPr id="6" name="Content Placeholder 5">
-            <a:extLst>
-              <a:ext uri="{FF2B5EF4-FFF2-40B4-BE49-F238E27FC236}">
-                <a16:creationId xmlns:a16="http://schemas.microsoft.com/office/drawing/2014/main" id="{D6BFE1A0-F073-C22E-095C-A876F4B2C9DA}"/>
-              </a:ext>
-            </a:extLst>
-          </p:cNvPr>
-          <p:cNvSpPr>
-            <a:spLocks noGrp="1"/>
-          </p:cNvSpPr>
-          <p:nvPr>
-            <p:ph sz="quarter" idx="4"/>
-          </p:nvPr>
-        </p:nvSpPr>
-        <p:spPr/>
-        <p:txBody>
-          <a:bodyPr/>
-          <a:lstStyle/>
-          <a:p>
-            <a:r>
-              <a:rPr lang="en-GB" dirty="0"/>
-              <a:t>Write clear documentation for users, collaborators, and future developers.</a:t>
-            </a:r>
-          </a:p>
-        </p:txBody>
-      </p:sp>
-    </p:spTree>
-    <p:extLst>
-      <p:ext uri="{BB962C8B-B14F-4D97-AF65-F5344CB8AC3E}">
-        <p14:creationId xmlns:p14="http://schemas.microsoft.com/office/powerpoint/2010/main" val="2858451994"/>
       </p:ext>
     </p:extLst>
   </p:cSld>
@@ -3916,7 +4323,7 @@
         <p:spPr/>
         <p:txBody>
           <a:bodyPr vert="horz" lIns="91440" tIns="45720" rIns="91440" bIns="45720" rtlCol="0" anchor="t">
-            <a:normAutofit/>
+            <a:normAutofit lnSpcReduction="10000"/>
           </a:bodyPr>
           <a:lstStyle/>
           <a:p>
@@ -3974,6 +4381,13 @@
               </a:rPr>
               <a:t>.</a:t>
             </a:r>
+            <a:endParaRPr lang="pt-PT">
+              <a:solidFill>
+                <a:srgbClr val="1F1F1F"/>
+              </a:solidFill>
+              <a:ea typeface="+mn-lt"/>
+              <a:cs typeface="+mn-lt"/>
+            </a:endParaRPr>
           </a:p>
           <a:p>
             <a:pPr>
@@ -4168,62 +4582,8 @@
                 <a:ea typeface="+mn-lt"/>
                 <a:cs typeface="+mn-lt"/>
               </a:rPr>
-              <a:t>Step 5: </a:t>
-            </a:r>
-            <a:r>
-              <a:rPr lang="pt-PT" dirty="0" err="1">
-                <a:solidFill>
-                  <a:srgbClr val="1F1F1F"/>
-                </a:solidFill>
-                <a:ea typeface="+mn-lt"/>
-                <a:cs typeface="+mn-lt"/>
-              </a:rPr>
-              <a:t>Test</a:t>
-            </a:r>
-            <a:r>
-              <a:rPr lang="pt-PT" dirty="0">
-                <a:solidFill>
-                  <a:srgbClr val="1F1F1F"/>
-                </a:solidFill>
-                <a:ea typeface="+mn-lt"/>
-                <a:cs typeface="+mn-lt"/>
-              </a:rPr>
-              <a:t> </a:t>
-            </a:r>
-            <a:r>
-              <a:rPr lang="pt-PT" dirty="0" err="1">
-                <a:solidFill>
-                  <a:srgbClr val="1F1F1F"/>
-                </a:solidFill>
-                <a:ea typeface="+mn-lt"/>
-                <a:cs typeface="+mn-lt"/>
-              </a:rPr>
-              <a:t>and</a:t>
-            </a:r>
-            <a:r>
-              <a:rPr lang="pt-PT" dirty="0">
-                <a:solidFill>
-                  <a:srgbClr val="1F1F1F"/>
-                </a:solidFill>
-                <a:ea typeface="+mn-lt"/>
-                <a:cs typeface="+mn-lt"/>
-              </a:rPr>
-              <a:t> </a:t>
-            </a:r>
-            <a:r>
-              <a:rPr lang="pt-PT" dirty="0" err="1">
-                <a:solidFill>
-                  <a:srgbClr val="1F1F1F"/>
-                </a:solidFill>
-                <a:ea typeface="+mn-lt"/>
-                <a:cs typeface="+mn-lt"/>
-              </a:rPr>
-              <a:t>Validate</a:t>
-            </a:r>
-            <a:endParaRPr lang="pt-PT" dirty="0" err="1">
-              <a:ea typeface="+mn-lt"/>
-              <a:cs typeface="+mn-lt"/>
-            </a:endParaRPr>
+              <a:t>----------------------------------</a:t>
+            </a:r>
           </a:p>
           <a:p>
             <a:pPr>
@@ -4238,6 +4598,32 @@
                 <a:ea typeface="+mn-lt"/>
                 <a:cs typeface="+mn-lt"/>
               </a:rPr>
+              <a:t>Step 5: </a:t>
+            </a:r>
+            <a:r>
+              <a:rPr lang="pt-PT" dirty="0" err="1">
+                <a:solidFill>
+                  <a:srgbClr val="1F1F1F"/>
+                </a:solidFill>
+                <a:ea typeface="+mn-lt"/>
+                <a:cs typeface="+mn-lt"/>
+              </a:rPr>
+              <a:t>Test</a:t>
+            </a:r>
+          </a:p>
+          <a:p>
+            <a:pPr>
+              <a:buFont typeface="Arial"/>
+              <a:buChar char="•"/>
+            </a:pPr>
+            <a:r>
+              <a:rPr lang="pt-PT" dirty="0">
+                <a:solidFill>
+                  <a:srgbClr val="1F1F1F"/>
+                </a:solidFill>
+                <a:ea typeface="+mn-lt"/>
+                <a:cs typeface="+mn-lt"/>
+              </a:rPr>
               <a:t>Step 6: </a:t>
             </a:r>
             <a:r>
@@ -4290,40 +4676,6 @@
               </a:rPr>
               <a:t>Implement</a:t>
             </a:r>
-            <a:r>
-              <a:rPr lang="pt-PT" dirty="0">
-                <a:solidFill>
-                  <a:srgbClr val="1F1F1F"/>
-                </a:solidFill>
-                <a:ea typeface="+mn-lt"/>
-                <a:cs typeface="+mn-lt"/>
-              </a:rPr>
-              <a:t> </a:t>
-            </a:r>
-            <a:r>
-              <a:rPr lang="pt-PT" dirty="0" err="1">
-                <a:solidFill>
-                  <a:srgbClr val="1F1F1F"/>
-                </a:solidFill>
-                <a:ea typeface="+mn-lt"/>
-                <a:cs typeface="+mn-lt"/>
-              </a:rPr>
-              <a:t>and</a:t>
-            </a:r>
-            <a:r>
-              <a:rPr lang="pt-PT" dirty="0">
-                <a:solidFill>
-                  <a:srgbClr val="1F1F1F"/>
-                </a:solidFill>
-                <a:ea typeface="+mn-lt"/>
-                <a:cs typeface="+mn-lt"/>
-              </a:rPr>
-              <a:t> Monitor </a:t>
-            </a:r>
-            <a:endParaRPr lang="pt-PT" dirty="0">
-              <a:ea typeface="+mn-lt"/>
-              <a:cs typeface="+mn-lt"/>
-            </a:endParaRPr>
           </a:p>
           <a:p>
             <a:pPr>
@@ -4339,46 +4691,6 @@
                 <a:cs typeface="+mn-lt"/>
               </a:rPr>
               <a:t>Step 8: </a:t>
-            </a:r>
-            <a:r>
-              <a:rPr lang="pt-PT" dirty="0" err="1">
-                <a:solidFill>
-                  <a:srgbClr val="1F1F1F"/>
-                </a:solidFill>
-                <a:ea typeface="+mn-lt"/>
-                <a:cs typeface="+mn-lt"/>
-              </a:rPr>
-              <a:t>Reflect</a:t>
-            </a:r>
-            <a:r>
-              <a:rPr lang="pt-PT" dirty="0">
-                <a:solidFill>
-                  <a:srgbClr val="1F1F1F"/>
-                </a:solidFill>
-                <a:ea typeface="+mn-lt"/>
-                <a:cs typeface="+mn-lt"/>
-              </a:rPr>
-              <a:t> </a:t>
-            </a:r>
-            <a:r>
-              <a:rPr lang="pt-PT" dirty="0" err="1">
-                <a:solidFill>
-                  <a:srgbClr val="1F1F1F"/>
-                </a:solidFill>
-                <a:ea typeface="+mn-lt"/>
-                <a:cs typeface="+mn-lt"/>
-              </a:rPr>
-              <a:t>and</a:t>
-            </a:r>
-            <a:r>
-              <a:rPr lang="pt-PT" dirty="0">
-                <a:solidFill>
-                  <a:srgbClr val="1F1F1F"/>
-                </a:solidFill>
-                <a:ea typeface="+mn-lt"/>
-                <a:cs typeface="+mn-lt"/>
-              </a:rPr>
-              <a:t> </a:t>
             </a:r>
             <a:r>
               <a:rPr lang="pt-PT" dirty="0" err="1">
@@ -6805,366 +7117,6 @@
     <p:extLst>
       <p:ext uri="{BB962C8B-B14F-4D97-AF65-F5344CB8AC3E}">
         <p14:creationId xmlns:p14="http://schemas.microsoft.com/office/powerpoint/2010/main" val="2087239754"/>
-      </p:ext>
-    </p:extLst>
-  </p:cSld>
-  <p:clrMapOvr>
-    <a:masterClrMapping/>
-  </p:clrMapOvr>
-</p:sld>
-</file>
-
-<file path=ppt/slides/slide8.xml><?xml version="1.0" encoding="utf-8"?>
-<p:sld xmlns:a="http://schemas.openxmlformats.org/drawingml/2006/main" xmlns:r="http://schemas.openxmlformats.org/officeDocument/2006/relationships" xmlns:p="http://schemas.openxmlformats.org/presentationml/2006/main">
-  <p:cSld>
-    <p:spTree>
-      <p:nvGrpSpPr>
-        <p:cNvPr id="1" name=""/>
-        <p:cNvGrpSpPr/>
-        <p:nvPr/>
-      </p:nvGrpSpPr>
-      <p:grpSpPr>
-        <a:xfrm>
-          <a:off x="0" y="0"/>
-          <a:ext cx="0" cy="0"/>
-          <a:chOff x="0" y="0"/>
-          <a:chExt cx="0" cy="0"/>
-        </a:xfrm>
-      </p:grpSpPr>
-      <p:sp>
-        <p:nvSpPr>
-          <p:cNvPr id="2" name="Title 1">
-            <a:extLst>
-              <a:ext uri="{FF2B5EF4-FFF2-40B4-BE49-F238E27FC236}">
-                <a16:creationId xmlns:a16="http://schemas.microsoft.com/office/drawing/2014/main" id="{DB2A74EB-4463-ED5C-1C11-ACAD4B3C60F0}"/>
-              </a:ext>
-            </a:extLst>
-          </p:cNvPr>
-          <p:cNvSpPr>
-            <a:spLocks noGrp="1"/>
-          </p:cNvSpPr>
-          <p:nvPr>
-            <p:ph type="title"/>
-          </p:nvPr>
-        </p:nvSpPr>
-        <p:spPr/>
-        <p:txBody>
-          <a:bodyPr/>
-          <a:lstStyle/>
-          <a:p>
-            <a:r>
-              <a:rPr lang="pt-PT" dirty="0" err="1">
-                <a:solidFill>
-                  <a:srgbClr val="1F1F1F"/>
-                </a:solidFill>
-                <a:ea typeface="+mn-lt"/>
-                <a:cs typeface="+mn-lt"/>
-              </a:rPr>
-              <a:t>Optimize</a:t>
-            </a:r>
-            <a:r>
-              <a:rPr lang="pt-PT" dirty="0">
-                <a:solidFill>
-                  <a:srgbClr val="1F1F1F"/>
-                </a:solidFill>
-                <a:ea typeface="+mn-lt"/>
-                <a:cs typeface="+mn-lt"/>
-              </a:rPr>
-              <a:t> </a:t>
-            </a:r>
-            <a:endParaRPr lang="en-GB" dirty="0"/>
-          </a:p>
-        </p:txBody>
-      </p:sp>
-      <p:sp>
-        <p:nvSpPr>
-          <p:cNvPr id="4" name="Text Placeholder 3">
-            <a:extLst>
-              <a:ext uri="{FF2B5EF4-FFF2-40B4-BE49-F238E27FC236}">
-                <a16:creationId xmlns:a16="http://schemas.microsoft.com/office/drawing/2014/main" id="{4802121E-043E-9FE3-F6A8-F12303898EB6}"/>
-              </a:ext>
-            </a:extLst>
-          </p:cNvPr>
-          <p:cNvSpPr>
-            <a:spLocks noGrp="1"/>
-          </p:cNvSpPr>
-          <p:nvPr>
-            <p:ph type="body" idx="1"/>
-          </p:nvPr>
-        </p:nvSpPr>
-        <p:spPr/>
-        <p:txBody>
-          <a:bodyPr/>
-          <a:lstStyle/>
-          <a:p>
-            <a:r>
-              <a:rPr lang="en-GB" dirty="0"/>
-              <a:t>Optimize:</a:t>
-            </a:r>
-          </a:p>
-        </p:txBody>
-      </p:sp>
-      <p:sp>
-        <p:nvSpPr>
-          <p:cNvPr id="5" name="Content Placeholder 4">
-            <a:extLst>
-              <a:ext uri="{FF2B5EF4-FFF2-40B4-BE49-F238E27FC236}">
-                <a16:creationId xmlns:a16="http://schemas.microsoft.com/office/drawing/2014/main" id="{A6133966-EECD-121F-3096-5E80834EB5DB}"/>
-              </a:ext>
-            </a:extLst>
-          </p:cNvPr>
-          <p:cNvSpPr>
-            <a:spLocks noGrp="1"/>
-          </p:cNvSpPr>
-          <p:nvPr>
-            <p:ph sz="half" idx="2"/>
-          </p:nvPr>
-        </p:nvSpPr>
-        <p:spPr/>
-        <p:txBody>
-          <a:bodyPr/>
-          <a:lstStyle/>
-          <a:p>
-            <a:r>
-              <a:rPr lang="en-GB" dirty="0"/>
-              <a:t>Improve performance, scalability, or usability.</a:t>
-            </a:r>
-          </a:p>
-        </p:txBody>
-      </p:sp>
-      <p:sp>
-        <p:nvSpPr>
-          <p:cNvPr id="6" name="Text Placeholder 5">
-            <a:extLst>
-              <a:ext uri="{FF2B5EF4-FFF2-40B4-BE49-F238E27FC236}">
-                <a16:creationId xmlns:a16="http://schemas.microsoft.com/office/drawing/2014/main" id="{3C18ED20-3326-26FF-5591-232585BA48E1}"/>
-              </a:ext>
-            </a:extLst>
-          </p:cNvPr>
-          <p:cNvSpPr>
-            <a:spLocks noGrp="1"/>
-          </p:cNvSpPr>
-          <p:nvPr>
-            <p:ph type="body" sz="quarter" idx="3"/>
-          </p:nvPr>
-        </p:nvSpPr>
-        <p:spPr/>
-        <p:txBody>
-          <a:bodyPr/>
-          <a:lstStyle/>
-          <a:p>
-            <a:r>
-              <a:rPr lang="en-GB" dirty="0"/>
-              <a:t>Refactor:</a:t>
-            </a:r>
-          </a:p>
-        </p:txBody>
-      </p:sp>
-      <p:sp>
-        <p:nvSpPr>
-          <p:cNvPr id="7" name="Content Placeholder 6">
-            <a:extLst>
-              <a:ext uri="{FF2B5EF4-FFF2-40B4-BE49-F238E27FC236}">
-                <a16:creationId xmlns:a16="http://schemas.microsoft.com/office/drawing/2014/main" id="{AB3B3A6B-610D-1A89-CE55-DF600EFB2927}"/>
-              </a:ext>
-            </a:extLst>
-          </p:cNvPr>
-          <p:cNvSpPr>
-            <a:spLocks noGrp="1"/>
-          </p:cNvSpPr>
-          <p:nvPr>
-            <p:ph sz="quarter" idx="4"/>
-          </p:nvPr>
-        </p:nvSpPr>
-        <p:spPr/>
-        <p:txBody>
-          <a:bodyPr/>
-          <a:lstStyle/>
-          <a:p>
-            <a:r>
-              <a:rPr lang="en-GB" dirty="0"/>
-              <a:t>Clean and restructure code for better readability and future-proofing.</a:t>
-            </a:r>
-          </a:p>
-          <a:p>
-            <a:endParaRPr lang="en-GB" dirty="0"/>
-          </a:p>
-        </p:txBody>
-      </p:sp>
-    </p:spTree>
-    <p:extLst>
-      <p:ext uri="{BB962C8B-B14F-4D97-AF65-F5344CB8AC3E}">
-        <p14:creationId xmlns:p14="http://schemas.microsoft.com/office/powerpoint/2010/main" val="3923742726"/>
-      </p:ext>
-    </p:extLst>
-  </p:cSld>
-  <p:clrMapOvr>
-    <a:masterClrMapping/>
-  </p:clrMapOvr>
-</p:sld>
-</file>
-
-<file path=ppt/slides/slide9.xml><?xml version="1.0" encoding="utf-8"?>
-<p:sld xmlns:a="http://schemas.openxmlformats.org/drawingml/2006/main" xmlns:r="http://schemas.openxmlformats.org/officeDocument/2006/relationships" xmlns:p="http://schemas.openxmlformats.org/presentationml/2006/main">
-  <p:cSld>
-    <p:spTree>
-      <p:nvGrpSpPr>
-        <p:cNvPr id="1" name=""/>
-        <p:cNvGrpSpPr/>
-        <p:nvPr/>
-      </p:nvGrpSpPr>
-      <p:grpSpPr>
-        <a:xfrm>
-          <a:off x="0" y="0"/>
-          <a:ext cx="0" cy="0"/>
-          <a:chOff x="0" y="0"/>
-          <a:chExt cx="0" cy="0"/>
-        </a:xfrm>
-      </p:grpSpPr>
-      <p:sp>
-        <p:nvSpPr>
-          <p:cNvPr id="2" name="Title 1">
-            <a:extLst>
-              <a:ext uri="{FF2B5EF4-FFF2-40B4-BE49-F238E27FC236}">
-                <a16:creationId xmlns:a16="http://schemas.microsoft.com/office/drawing/2014/main" id="{D0D06FAD-307C-5BF5-18E6-DE270ABE498C}"/>
-              </a:ext>
-            </a:extLst>
-          </p:cNvPr>
-          <p:cNvSpPr>
-            <a:spLocks noGrp="1"/>
-          </p:cNvSpPr>
-          <p:nvPr>
-            <p:ph type="title"/>
-          </p:nvPr>
-        </p:nvSpPr>
-        <p:spPr/>
-        <p:txBody>
-          <a:bodyPr/>
-          <a:lstStyle/>
-          <a:p>
-            <a:r>
-              <a:rPr lang="en-GB" dirty="0"/>
-              <a:t>Implement and Monitor</a:t>
-            </a:r>
-          </a:p>
-        </p:txBody>
-      </p:sp>
-      <p:sp>
-        <p:nvSpPr>
-          <p:cNvPr id="3" name="Text Placeholder 2">
-            <a:extLst>
-              <a:ext uri="{FF2B5EF4-FFF2-40B4-BE49-F238E27FC236}">
-                <a16:creationId xmlns:a16="http://schemas.microsoft.com/office/drawing/2014/main" id="{7F65BDF6-7B33-189D-6116-DBF2C4AA268F}"/>
-              </a:ext>
-            </a:extLst>
-          </p:cNvPr>
-          <p:cNvSpPr>
-            <a:spLocks noGrp="1"/>
-          </p:cNvSpPr>
-          <p:nvPr>
-            <p:ph type="body" idx="1"/>
-          </p:nvPr>
-        </p:nvSpPr>
-        <p:spPr/>
-        <p:txBody>
-          <a:bodyPr/>
-          <a:lstStyle/>
-          <a:p>
-            <a:r>
-              <a:rPr lang="en-GB" dirty="0"/>
-              <a:t>Monitor Performance:</a:t>
-            </a:r>
-          </a:p>
-        </p:txBody>
-      </p:sp>
-      <p:sp>
-        <p:nvSpPr>
-          <p:cNvPr id="4" name="Content Placeholder 3">
-            <a:extLst>
-              <a:ext uri="{FF2B5EF4-FFF2-40B4-BE49-F238E27FC236}">
-                <a16:creationId xmlns:a16="http://schemas.microsoft.com/office/drawing/2014/main" id="{89E97F04-3DA5-7EF4-D04B-10CF6F9CA9ED}"/>
-              </a:ext>
-            </a:extLst>
-          </p:cNvPr>
-          <p:cNvSpPr>
-            <a:spLocks noGrp="1"/>
-          </p:cNvSpPr>
-          <p:nvPr>
-            <p:ph sz="half" idx="2"/>
-          </p:nvPr>
-        </p:nvSpPr>
-        <p:spPr/>
-        <p:txBody>
-          <a:bodyPr/>
-          <a:lstStyle/>
-          <a:p>
-            <a:r>
-              <a:rPr lang="en-GB" dirty="0"/>
-              <a:t>Track metrics or use feedback loops to ensure the solution works as expected.</a:t>
-            </a:r>
-          </a:p>
-        </p:txBody>
-      </p:sp>
-      <p:sp>
-        <p:nvSpPr>
-          <p:cNvPr id="5" name="Text Placeholder 4">
-            <a:extLst>
-              <a:ext uri="{FF2B5EF4-FFF2-40B4-BE49-F238E27FC236}">
-                <a16:creationId xmlns:a16="http://schemas.microsoft.com/office/drawing/2014/main" id="{84108E09-88AE-F57F-902E-727B397E47E0}"/>
-              </a:ext>
-            </a:extLst>
-          </p:cNvPr>
-          <p:cNvSpPr>
-            <a:spLocks noGrp="1"/>
-          </p:cNvSpPr>
-          <p:nvPr>
-            <p:ph type="body" sz="quarter" idx="3"/>
-          </p:nvPr>
-        </p:nvSpPr>
-        <p:spPr/>
-        <p:txBody>
-          <a:bodyPr/>
-          <a:lstStyle/>
-          <a:p>
-            <a:r>
-              <a:rPr lang="en-GB" dirty="0"/>
-              <a:t>Maintenance:</a:t>
-            </a:r>
-          </a:p>
-        </p:txBody>
-      </p:sp>
-      <p:sp>
-        <p:nvSpPr>
-          <p:cNvPr id="6" name="Content Placeholder 5">
-            <a:extLst>
-              <a:ext uri="{FF2B5EF4-FFF2-40B4-BE49-F238E27FC236}">
-                <a16:creationId xmlns:a16="http://schemas.microsoft.com/office/drawing/2014/main" id="{442383E2-45DE-CAD0-3264-A7274002F236}"/>
-              </a:ext>
-            </a:extLst>
-          </p:cNvPr>
-          <p:cNvSpPr>
-            <a:spLocks noGrp="1"/>
-          </p:cNvSpPr>
-          <p:nvPr>
-            <p:ph sz="quarter" idx="4"/>
-          </p:nvPr>
-        </p:nvSpPr>
-        <p:spPr/>
-        <p:txBody>
-          <a:bodyPr/>
-          <a:lstStyle/>
-          <a:p>
-            <a:r>
-              <a:rPr lang="en-GB" dirty="0"/>
-              <a:t>Address any ongoing issues or updates as they arise.</a:t>
-            </a:r>
-          </a:p>
-        </p:txBody>
-      </p:sp>
-    </p:spTree>
-    <p:extLst>
-      <p:ext uri="{BB962C8B-B14F-4D97-AF65-F5344CB8AC3E}">
-        <p14:creationId xmlns:p14="http://schemas.microsoft.com/office/powerpoint/2010/main" val="3618869899"/>
       </p:ext>
     </p:extLst>
   </p:cSld>
